--- a/regex_slides.pptx
+++ b/regex_slides.pptx
@@ -16,8 +16,8 @@
     <p:sldId id="302" r:id="rId7"/>
     <p:sldId id="300" r:id="rId8"/>
     <p:sldId id="269" r:id="rId9"/>
-    <p:sldId id="278" r:id="rId10"/>
-    <p:sldId id="281" r:id="rId11"/>
+    <p:sldId id="281" r:id="rId10"/>
+    <p:sldId id="278" r:id="rId11"/>
   </p:sldIdLst>
   <p:sldSz cx="9144000" cy="5143500" type="screen16x9"/>
   <p:notesSz cx="6858000" cy="9144000"/>
@@ -264,6 +264,11 @@
       </a:defRPr>
     </a:lvl9pPr>
   </p:defaultTextStyle>
+  <p:extLst>
+    <p:ext uri="{EFAFB233-063F-42B5-8137-9DF3F51BA10A}">
+      <p15:sldGuideLst xmlns:p15="http://schemas.microsoft.com/office/powerpoint/2012/main"/>
+    </p:ext>
+  </p:extLst>
 </p:presentation>
 </file>
 
@@ -817,7 +822,7 @@
   <p:cSld>
     <p:spTree>
       <p:nvGrpSpPr>
-        <p:cNvPr id="1" name="Shape 3124"/>
+        <p:cNvPr id="1" name="Shape 2540"/>
         <p:cNvGrpSpPr/>
         <p:nvPr/>
       </p:nvGrpSpPr>
@@ -831,7 +836,7 @@
       </p:grpSpPr>
       <p:sp>
         <p:nvSpPr>
-          <p:cNvPr id="3125" name="Google Shape;3125;ge6b9cfce84_3_86:notes"/>
+          <p:cNvPr id="2541" name="Google Shape;2541;ge7b3cc9d39_0_15:notes"/>
           <p:cNvSpPr>
             <a:spLocks noGrp="1" noRot="1" noChangeAspect="1"/>
           </p:cNvSpPr>
@@ -872,7 +877,7 @@
       </p:sp>
       <p:sp>
         <p:nvSpPr>
-          <p:cNvPr id="3126" name="Google Shape;3126;ge6b9cfce84_3_86:notes"/>
+          <p:cNvPr id="2542" name="Google Shape;2542;ge7b3cc9d39_0_15:notes"/>
           <p:cNvSpPr txBox="1">
             <a:spLocks noGrp="1"/>
           </p:cNvSpPr>
@@ -1008,7 +1013,7 @@
               </a:spcAft>
               <a:buNone/>
             </a:pPr>
-            <a:endParaRPr/>
+            <a:endParaRPr dirty="0"/>
           </a:p>
         </p:txBody>
       </p:sp>
@@ -1664,7 +1669,7 @@
   <p:cSld>
     <p:spTree>
       <p:nvGrpSpPr>
-        <p:cNvPr id="1" name="Shape 2540"/>
+        <p:cNvPr id="1" name="Shape 3124"/>
         <p:cNvGrpSpPr/>
         <p:nvPr/>
       </p:nvGrpSpPr>
@@ -1678,7 +1683,7 @@
       </p:grpSpPr>
       <p:sp>
         <p:nvSpPr>
-          <p:cNvPr id="2541" name="Google Shape;2541;ge7b3cc9d39_0_15:notes"/>
+          <p:cNvPr id="3125" name="Google Shape;3125;ge6b9cfce84_3_86:notes"/>
           <p:cNvSpPr>
             <a:spLocks noGrp="1" noRot="1" noChangeAspect="1"/>
           </p:cNvSpPr>
@@ -1719,7 +1724,7 @@
       </p:sp>
       <p:sp>
         <p:nvSpPr>
-          <p:cNvPr id="2542" name="Google Shape;2542;ge7b3cc9d39_0_15:notes"/>
+          <p:cNvPr id="3126" name="Google Shape;3126;ge6b9cfce84_3_86:notes"/>
           <p:cNvSpPr txBox="1">
             <a:spLocks noGrp="1"/>
           </p:cNvSpPr>
@@ -15165,7 +15170,7 @@
   <p:cSld>
     <p:spTree>
       <p:nvGrpSpPr>
-        <p:cNvPr id="1" name="Shape 3127"/>
+        <p:cNvPr id="1" name="Shape 2543"/>
         <p:cNvGrpSpPr/>
         <p:nvPr/>
       </p:nvGrpSpPr>
@@ -15179,18 +15184,18 @@
       </p:grpSpPr>
       <p:sp>
         <p:nvSpPr>
-          <p:cNvPr id="3128" name="Google Shape;3128;p52"/>
+          <p:cNvPr id="2544" name="Google Shape;2544;p49"/>
           <p:cNvSpPr txBox="1">
             <a:spLocks noGrp="1"/>
           </p:cNvSpPr>
           <p:nvPr>
-            <p:ph type="title"/>
+            <p:ph type="ctrTitle"/>
           </p:nvPr>
         </p:nvSpPr>
         <p:spPr>
           <a:xfrm>
-            <a:off x="1143250" y="582700"/>
-            <a:ext cx="7290600" cy="541200"/>
+            <a:off x="1139125" y="582056"/>
+            <a:ext cx="3064500" cy="539400"/>
           </a:xfrm>
           <a:prstGeom prst="rect">
             <a:avLst/>
@@ -15212,26 +15217,18 @@
               <a:buNone/>
             </a:pPr>
             <a:r>
-              <a:rPr lang="en" dirty="0"/>
-              <a:t>Resources</a:t>
+              <a:rPr lang="en"/>
+              <a:t>Thanks; </a:t>
             </a:r>
             <a:r>
-              <a:rPr lang="en" dirty="0">
-                <a:solidFill>
-                  <a:schemeClr val="accent2"/>
-                </a:solidFill>
-              </a:rPr>
-              <a:t> </a:t>
-            </a:r>
-            <a:r>
-              <a:rPr lang="en" dirty="0">
+              <a:rPr lang="en">
                 <a:solidFill>
                   <a:schemeClr val="accent6"/>
                 </a:solidFill>
               </a:rPr>
               <a:t>{</a:t>
             </a:r>
-            <a:endParaRPr dirty="0">
+            <a:endParaRPr>
               <a:solidFill>
                 <a:schemeClr val="accent6"/>
               </a:solidFill>
@@ -15241,25 +15238,25 @@
       </p:sp>
       <p:sp>
         <p:nvSpPr>
-          <p:cNvPr id="3129" name="Google Shape;3129;p52"/>
+          <p:cNvPr id="2546" name="Google Shape;2546;p49"/>
           <p:cNvSpPr txBox="1">
             <a:spLocks noGrp="1"/>
           </p:cNvSpPr>
           <p:nvPr>
-            <p:ph type="body" idx="1"/>
+            <p:ph type="subTitle" idx="2"/>
           </p:nvPr>
         </p:nvSpPr>
         <p:spPr>
           <a:xfrm>
-            <a:off x="1590925" y="1263720"/>
-            <a:ext cx="7241521" cy="2109600"/>
+            <a:off x="1570575" y="1261025"/>
+            <a:ext cx="4572000" cy="434700"/>
           </a:xfrm>
           <a:prstGeom prst="rect">
             <a:avLst/>
           </a:prstGeom>
         </p:spPr>
         <p:txBody>
-          <a:bodyPr spcFirstLastPara="1" wrap="square" lIns="91425" tIns="91425" rIns="91425" bIns="91425" anchor="t" anchorCtr="0">
+          <a:bodyPr spcFirstLastPara="1" wrap="square" lIns="91425" tIns="91425" rIns="91425" bIns="91425" anchor="ctr" anchorCtr="0">
             <a:noAutofit/>
           </a:bodyPr>
           <a:lstStyle/>
@@ -15274,285 +15271,16 @@
               <a:buNone/>
             </a:pPr>
             <a:r>
-              <a:rPr lang="en" dirty="0">
-                <a:solidFill>
-                  <a:schemeClr val="accent2"/>
-                </a:solidFill>
-              </a:rPr>
-              <a:t>Documentation:</a:t>
+              <a:rPr lang="en"/>
+              <a:t>‘Do you have any questions?’</a:t>
             </a:r>
-            <a:endParaRPr dirty="0">
-              <a:solidFill>
-                <a:schemeClr val="accent2"/>
-              </a:solidFill>
-            </a:endParaRPr>
-          </a:p>
-          <a:p>
-            <a:pPr lvl="0">
-              <a:spcBef>
-                <a:spcPts val="1200"/>
-              </a:spcBef>
-            </a:pPr>
-            <a:r>
-              <a:rPr lang="en-US" sz="1400" dirty="0">
-                <a:uFill>
-                  <a:noFill/>
-                </a:uFill>
-              </a:rPr>
-              <a:t>https://</a:t>
-            </a:r>
-            <a:r>
-              <a:rPr lang="en-US" sz="1400" dirty="0" err="1">
-                <a:uFill>
-                  <a:noFill/>
-                </a:uFill>
-              </a:rPr>
-              <a:t>docs.python.org</a:t>
-            </a:r>
-            <a:r>
-              <a:rPr lang="en-US" sz="1400" dirty="0">
-                <a:uFill>
-                  <a:noFill/>
-                </a:uFill>
-              </a:rPr>
-              <a:t>/3/</a:t>
-            </a:r>
-            <a:r>
-              <a:rPr lang="en-US" sz="1400" dirty="0" err="1">
-                <a:uFill>
-                  <a:noFill/>
-                </a:uFill>
-              </a:rPr>
-              <a:t>howto</a:t>
-            </a:r>
-            <a:r>
-              <a:rPr lang="en-US" sz="1400" dirty="0">
-                <a:uFill>
-                  <a:noFill/>
-                </a:uFill>
-              </a:rPr>
-              <a:t>/</a:t>
-            </a:r>
-            <a:r>
-              <a:rPr lang="en-US" sz="1400" dirty="0" err="1">
-                <a:uFill>
-                  <a:noFill/>
-                </a:uFill>
-              </a:rPr>
-              <a:t>regex.html#splitting-strings</a:t>
-            </a:r>
-            <a:r>
-              <a:rPr lang="en-US" sz="1400" dirty="0">
-                <a:uFill>
-                  <a:noFill/>
-                </a:uFill>
-              </a:rPr>
-              <a:t> </a:t>
-            </a:r>
-          </a:p>
-          <a:p>
-            <a:pPr lvl="0">
-              <a:spcBef>
-                <a:spcPts val="1200"/>
-              </a:spcBef>
-            </a:pPr>
-            <a:r>
-              <a:rPr lang="en-US" sz="1400" dirty="0">
-                <a:uFill>
-                  <a:noFill/>
-                </a:uFill>
-              </a:rPr>
-              <a:t>https://</a:t>
-            </a:r>
-            <a:r>
-              <a:rPr lang="en-US" sz="1400" dirty="0" err="1">
-                <a:uFill>
-                  <a:noFill/>
-                </a:uFill>
-              </a:rPr>
-              <a:t>docs.python.org</a:t>
-            </a:r>
-            <a:r>
-              <a:rPr lang="en-US" sz="1400" dirty="0">
-                <a:uFill>
-                  <a:noFill/>
-                </a:uFill>
-              </a:rPr>
-              <a:t>/3/library/</a:t>
-            </a:r>
-            <a:r>
-              <a:rPr lang="en-US" sz="1400" dirty="0" err="1">
-                <a:uFill>
-                  <a:noFill/>
-                </a:uFill>
-              </a:rPr>
-              <a:t>re.html#text-munging</a:t>
-            </a:r>
-            <a:r>
-              <a:rPr lang="en-US" sz="1400" dirty="0">
-                <a:uFill>
-                  <a:noFill/>
-                </a:uFill>
-              </a:rPr>
-              <a:t> </a:t>
-            </a:r>
-          </a:p>
-          <a:p>
-            <a:pPr lvl="0">
-              <a:spcBef>
-                <a:spcPts val="1200"/>
-              </a:spcBef>
-            </a:pPr>
-            <a:endParaRPr lang="en-US" sz="1400" dirty="0">
-              <a:uFill>
-                <a:noFill/>
-              </a:uFill>
-            </a:endParaRPr>
-          </a:p>
-          <a:p>
-            <a:pPr marL="139700" lvl="0" indent="0">
-              <a:spcBef>
-                <a:spcPts val="1200"/>
-              </a:spcBef>
-              <a:buNone/>
-            </a:pPr>
-            <a:r>
-              <a:rPr lang="en" dirty="0" err="1">
-                <a:solidFill>
-                  <a:schemeClr val="accent1"/>
-                </a:solidFill>
-              </a:rPr>
-              <a:t>Youtube</a:t>
-            </a:r>
-            <a:r>
-              <a:rPr lang="en" dirty="0">
-                <a:solidFill>
-                  <a:schemeClr val="accent1"/>
-                </a:solidFill>
-              </a:rPr>
-              <a:t> Videos:</a:t>
-            </a:r>
-          </a:p>
-          <a:p>
-            <a:pPr lvl="0">
-              <a:spcBef>
-                <a:spcPts val="1200"/>
-              </a:spcBef>
-            </a:pPr>
-            <a:r>
-              <a:rPr lang="en-US" sz="1400" dirty="0">
-                <a:solidFill>
-                  <a:schemeClr val="bg1"/>
-                </a:solidFill>
-                <a:uFill>
-                  <a:noFill/>
-                </a:uFill>
-                <a:hlinkClick r:id="rId3">
-                  <a:extLst>
-                    <a:ext uri="{A12FA001-AC4F-418D-AE19-62706E023703}">
-                      <ahyp:hlinkClr xmlns:ahyp="http://schemas.microsoft.com/office/drawing/2018/hyperlinkcolor" val="tx"/>
-                    </a:ext>
-                  </a:extLst>
-                </a:hlinkClick>
-              </a:rPr>
-              <a:t>https://www.youtube.com/watch?v=UQQsYXa1EHs</a:t>
-            </a:r>
-            <a:endParaRPr lang="en-US" sz="1400" dirty="0">
-              <a:solidFill>
-                <a:schemeClr val="bg1"/>
-              </a:solidFill>
-              <a:uFill>
-                <a:noFill/>
-              </a:uFill>
-            </a:endParaRPr>
-          </a:p>
-          <a:p>
-            <a:pPr lvl="0">
-              <a:spcBef>
-                <a:spcPts val="1200"/>
-              </a:spcBef>
-            </a:pPr>
-            <a:r>
-              <a:rPr lang="en-US" sz="1400" dirty="0">
-                <a:solidFill>
-                  <a:schemeClr val="bg1"/>
-                </a:solidFill>
-                <a:uFill>
-                  <a:noFill/>
-                </a:uFill>
-              </a:rPr>
-              <a:t>https://</a:t>
-            </a:r>
-            <a:r>
-              <a:rPr lang="en-US" sz="1400" dirty="0" err="1">
-                <a:solidFill>
-                  <a:schemeClr val="bg1"/>
-                </a:solidFill>
-                <a:uFill>
-                  <a:noFill/>
-                </a:uFill>
-              </a:rPr>
-              <a:t>www.youtube.com</a:t>
-            </a:r>
-            <a:r>
-              <a:rPr lang="en-US" sz="1400" dirty="0">
-                <a:solidFill>
-                  <a:schemeClr val="bg1"/>
-                </a:solidFill>
-                <a:uFill>
-                  <a:noFill/>
-                </a:uFill>
-              </a:rPr>
-              <a:t>/</a:t>
-            </a:r>
-            <a:r>
-              <a:rPr lang="en-US" sz="1400" dirty="0" err="1">
-                <a:solidFill>
-                  <a:schemeClr val="bg1"/>
-                </a:solidFill>
-                <a:uFill>
-                  <a:noFill/>
-                </a:uFill>
-              </a:rPr>
-              <a:t>watch?v</a:t>
-            </a:r>
-            <a:r>
-              <a:rPr lang="en-US" sz="1400" dirty="0">
-                <a:solidFill>
-                  <a:schemeClr val="bg1"/>
-                </a:solidFill>
-                <a:uFill>
-                  <a:noFill/>
-                </a:uFill>
-              </a:rPr>
-              <a:t>=K8L6KVGG-7o</a:t>
-            </a:r>
-          </a:p>
-          <a:p>
-            <a:pPr lvl="0">
-              <a:spcBef>
-                <a:spcPts val="1200"/>
-              </a:spcBef>
-            </a:pPr>
-            <a:endParaRPr lang="en-US" sz="1400" dirty="0">
-              <a:uFill>
-                <a:noFill/>
-              </a:uFill>
-            </a:endParaRPr>
-          </a:p>
-          <a:p>
-            <a:pPr lvl="0">
-              <a:spcBef>
-                <a:spcPts val="1200"/>
-              </a:spcBef>
-            </a:pPr>
-            <a:endParaRPr lang="en-US" dirty="0"/>
+            <a:endParaRPr/>
           </a:p>
         </p:txBody>
       </p:sp>
       <p:grpSp>
         <p:nvGrpSpPr>
-          <p:cNvPr id="3134" name="Google Shape;3134;p52"/>
+          <p:cNvPr id="2573" name="Google Shape;2573;p49"/>
           <p:cNvGrpSpPr/>
           <p:nvPr/>
         </p:nvGrpSpPr>
@@ -15566,7 +15294,7 @@
         </p:grpSpPr>
         <p:sp>
           <p:nvSpPr>
-            <p:cNvPr id="3135" name="Google Shape;3135;p52"/>
+            <p:cNvPr id="2574" name="Google Shape;2574;p49"/>
             <p:cNvSpPr txBox="1"/>
             <p:nvPr/>
           </p:nvSpPr>
@@ -15624,7 +15352,7 @@
         </p:sp>
         <p:cxnSp>
           <p:nvCxnSpPr>
-            <p:cNvPr id="3136" name="Google Shape;3136;p52"/>
+            <p:cNvPr id="2575" name="Google Shape;2575;p49"/>
             <p:cNvCxnSpPr/>
             <p:nvPr/>
           </p:nvCxnSpPr>
@@ -15654,7 +15382,7 @@
           <p:cNvPr id="3" name="Subtitle 2">
             <a:extLst>
               <a:ext uri="{FF2B5EF4-FFF2-40B4-BE49-F238E27FC236}">
-                <a16:creationId xmlns:a16="http://schemas.microsoft.com/office/drawing/2014/main" id="{92D7F54C-059E-2D47-9CD4-9E2D92675FC1}"/>
+                <a16:creationId xmlns:a16="http://schemas.microsoft.com/office/drawing/2014/main" id="{3F2D217C-4F55-104A-BEA8-820634EE5C43}"/>
               </a:ext>
             </a:extLst>
           </p:cNvPr>
@@ -15662,57 +15390,7 @@
             <a:spLocks noGrp="1"/>
           </p:cNvSpPr>
           <p:nvPr>
-            <p:ph type="subTitle" idx="2"/>
-          </p:nvPr>
-        </p:nvSpPr>
-        <p:spPr/>
-        <p:txBody>
-          <a:bodyPr/>
-          <a:lstStyle/>
-          <a:p>
-            <a:endParaRPr lang="en-SA"/>
-          </a:p>
-        </p:txBody>
-      </p:sp>
-      <p:sp>
-        <p:nvSpPr>
-          <p:cNvPr id="5" name="Subtitle 4">
-            <a:extLst>
-              <a:ext uri="{FF2B5EF4-FFF2-40B4-BE49-F238E27FC236}">
-                <a16:creationId xmlns:a16="http://schemas.microsoft.com/office/drawing/2014/main" id="{EDF6AA80-1012-C741-B677-5356F80FB2A3}"/>
-              </a:ext>
-            </a:extLst>
-          </p:cNvPr>
-          <p:cNvSpPr>
-            <a:spLocks noGrp="1"/>
-          </p:cNvSpPr>
-          <p:nvPr>
-            <p:ph type="subTitle" idx="2"/>
-          </p:nvPr>
-        </p:nvSpPr>
-        <p:spPr/>
-        <p:txBody>
-          <a:bodyPr/>
-          <a:lstStyle/>
-          <a:p>
-            <a:endParaRPr lang="en-SA"/>
-          </a:p>
-        </p:txBody>
-      </p:sp>
-      <p:sp>
-        <p:nvSpPr>
-          <p:cNvPr id="7" name="Subtitle 6">
-            <a:extLst>
-              <a:ext uri="{FF2B5EF4-FFF2-40B4-BE49-F238E27FC236}">
-                <a16:creationId xmlns:a16="http://schemas.microsoft.com/office/drawing/2014/main" id="{C0759ED7-951E-2E4B-8CFD-87B7201717EE}"/>
-              </a:ext>
-            </a:extLst>
-          </p:cNvPr>
-          <p:cNvSpPr>
-            <a:spLocks noGrp="1"/>
-          </p:cNvSpPr>
-          <p:nvPr>
-            <p:ph type="subTitle" idx="2"/>
+            <p:ph type="subTitle" idx="1"/>
           </p:nvPr>
         </p:nvSpPr>
         <p:spPr/>
@@ -15785,7 +15463,7 @@
             </a:pPr>
             <a:r>
               <a:rPr lang="en" dirty="0"/>
-              <a:t>Regular Expressions allows us to search for spec</a:t>
+              <a:t>Regular Expressions is a tool that allows us to search for spec</a:t>
             </a:r>
             <a:r>
               <a:rPr lang="en-US" dirty="0" err="1"/>
@@ -16947,7 +16625,7 @@
                   <a:schemeClr val="accent3"/>
                 </a:solidFill>
               </a:rPr>
-              <a:t>Can be used to call special sequences: /d matches all digits</a:t>
+              <a:t>Can be used to call special sequences: \d matches all digits</a:t>
             </a:r>
           </a:p>
         </p:txBody>
@@ -18484,7 +18162,7 @@
                   <a:schemeClr val="accent3"/>
                 </a:solidFill>
               </a:rPr>
-              <a:t>Used to specify the end of a pattern: end$ will match any string that ends with the word “end”</a:t>
+              <a:t>Used to specify the end of a pattern: \.com$ will match any string that ends with the word .com</a:t>
             </a:r>
           </a:p>
         </p:txBody>
@@ -20849,7 +20527,7 @@
   <p:cSld>
     <p:spTree>
       <p:nvGrpSpPr>
-        <p:cNvPr id="1" name="Shape 2543"/>
+        <p:cNvPr id="1" name="Shape 3127"/>
         <p:cNvGrpSpPr/>
         <p:nvPr/>
       </p:nvGrpSpPr>
@@ -20863,18 +20541,18 @@
       </p:grpSpPr>
       <p:sp>
         <p:nvSpPr>
-          <p:cNvPr id="2544" name="Google Shape;2544;p49"/>
+          <p:cNvPr id="3128" name="Google Shape;3128;p52"/>
           <p:cNvSpPr txBox="1">
             <a:spLocks noGrp="1"/>
           </p:cNvSpPr>
           <p:nvPr>
-            <p:ph type="ctrTitle"/>
+            <p:ph type="title"/>
           </p:nvPr>
         </p:nvSpPr>
         <p:spPr>
           <a:xfrm>
-            <a:off x="1139125" y="582056"/>
-            <a:ext cx="3064500" cy="539400"/>
+            <a:off x="1143250" y="582700"/>
+            <a:ext cx="7290600" cy="541200"/>
           </a:xfrm>
           <a:prstGeom prst="rect">
             <a:avLst/>
@@ -20896,18 +20574,26 @@
               <a:buNone/>
             </a:pPr>
             <a:r>
-              <a:rPr lang="en"/>
-              <a:t>Thanks; </a:t>
+              <a:rPr lang="en" dirty="0"/>
+              <a:t>Resources</a:t>
             </a:r>
             <a:r>
-              <a:rPr lang="en">
+              <a:rPr lang="en" dirty="0">
+                <a:solidFill>
+                  <a:schemeClr val="accent2"/>
+                </a:solidFill>
+              </a:rPr>
+              <a:t> </a:t>
+            </a:r>
+            <a:r>
+              <a:rPr lang="en" dirty="0">
                 <a:solidFill>
                   <a:schemeClr val="accent6"/>
                 </a:solidFill>
               </a:rPr>
               <a:t>{</a:t>
             </a:r>
-            <a:endParaRPr>
+            <a:endParaRPr dirty="0">
               <a:solidFill>
                 <a:schemeClr val="accent6"/>
               </a:solidFill>
@@ -20917,25 +20603,25 @@
       </p:sp>
       <p:sp>
         <p:nvSpPr>
-          <p:cNvPr id="2546" name="Google Shape;2546;p49"/>
+          <p:cNvPr id="3129" name="Google Shape;3129;p52"/>
           <p:cNvSpPr txBox="1">
             <a:spLocks noGrp="1"/>
           </p:cNvSpPr>
           <p:nvPr>
-            <p:ph type="subTitle" idx="2"/>
+            <p:ph type="body" idx="1"/>
           </p:nvPr>
         </p:nvSpPr>
         <p:spPr>
           <a:xfrm>
-            <a:off x="1570575" y="1261025"/>
-            <a:ext cx="4572000" cy="434700"/>
+            <a:off x="1590925" y="1263720"/>
+            <a:ext cx="7241521" cy="2109600"/>
           </a:xfrm>
           <a:prstGeom prst="rect">
             <a:avLst/>
           </a:prstGeom>
         </p:spPr>
         <p:txBody>
-          <a:bodyPr spcFirstLastPara="1" wrap="square" lIns="91425" tIns="91425" rIns="91425" bIns="91425" anchor="ctr" anchorCtr="0">
+          <a:bodyPr spcFirstLastPara="1" wrap="square" lIns="91425" tIns="91425" rIns="91425" bIns="91425" anchor="t" anchorCtr="0">
             <a:noAutofit/>
           </a:bodyPr>
           <a:lstStyle/>
@@ -20950,16 +20636,285 @@
               <a:buNone/>
             </a:pPr>
             <a:r>
-              <a:rPr lang="en"/>
-              <a:t>‘Do you have any questions?’</a:t>
+              <a:rPr lang="en" dirty="0">
+                <a:solidFill>
+                  <a:schemeClr val="accent2"/>
+                </a:solidFill>
+              </a:rPr>
+              <a:t>Documentation:</a:t>
             </a:r>
-            <a:endParaRPr/>
+            <a:endParaRPr dirty="0">
+              <a:solidFill>
+                <a:schemeClr val="accent2"/>
+              </a:solidFill>
+            </a:endParaRPr>
+          </a:p>
+          <a:p>
+            <a:pPr lvl="0">
+              <a:spcBef>
+                <a:spcPts val="1200"/>
+              </a:spcBef>
+            </a:pPr>
+            <a:r>
+              <a:rPr lang="en-US" sz="1400" dirty="0">
+                <a:uFill>
+                  <a:noFill/>
+                </a:uFill>
+              </a:rPr>
+              <a:t>https://</a:t>
+            </a:r>
+            <a:r>
+              <a:rPr lang="en-US" sz="1400" dirty="0" err="1">
+                <a:uFill>
+                  <a:noFill/>
+                </a:uFill>
+              </a:rPr>
+              <a:t>docs.python.org</a:t>
+            </a:r>
+            <a:r>
+              <a:rPr lang="en-US" sz="1400" dirty="0">
+                <a:uFill>
+                  <a:noFill/>
+                </a:uFill>
+              </a:rPr>
+              <a:t>/3/</a:t>
+            </a:r>
+            <a:r>
+              <a:rPr lang="en-US" sz="1400" dirty="0" err="1">
+                <a:uFill>
+                  <a:noFill/>
+                </a:uFill>
+              </a:rPr>
+              <a:t>howto</a:t>
+            </a:r>
+            <a:r>
+              <a:rPr lang="en-US" sz="1400" dirty="0">
+                <a:uFill>
+                  <a:noFill/>
+                </a:uFill>
+              </a:rPr>
+              <a:t>/</a:t>
+            </a:r>
+            <a:r>
+              <a:rPr lang="en-US" sz="1400" dirty="0" err="1">
+                <a:uFill>
+                  <a:noFill/>
+                </a:uFill>
+              </a:rPr>
+              <a:t>regex.html#splitting-strings</a:t>
+            </a:r>
+            <a:r>
+              <a:rPr lang="en-US" sz="1400" dirty="0">
+                <a:uFill>
+                  <a:noFill/>
+                </a:uFill>
+              </a:rPr>
+              <a:t> </a:t>
+            </a:r>
+          </a:p>
+          <a:p>
+            <a:pPr lvl="0">
+              <a:spcBef>
+                <a:spcPts val="1200"/>
+              </a:spcBef>
+            </a:pPr>
+            <a:r>
+              <a:rPr lang="en-US" sz="1400" dirty="0">
+                <a:uFill>
+                  <a:noFill/>
+                </a:uFill>
+              </a:rPr>
+              <a:t>https://</a:t>
+            </a:r>
+            <a:r>
+              <a:rPr lang="en-US" sz="1400" dirty="0" err="1">
+                <a:uFill>
+                  <a:noFill/>
+                </a:uFill>
+              </a:rPr>
+              <a:t>docs.python.org</a:t>
+            </a:r>
+            <a:r>
+              <a:rPr lang="en-US" sz="1400" dirty="0">
+                <a:uFill>
+                  <a:noFill/>
+                </a:uFill>
+              </a:rPr>
+              <a:t>/3/library/</a:t>
+            </a:r>
+            <a:r>
+              <a:rPr lang="en-US" sz="1400" dirty="0" err="1">
+                <a:uFill>
+                  <a:noFill/>
+                </a:uFill>
+              </a:rPr>
+              <a:t>re.html#text-munging</a:t>
+            </a:r>
+            <a:r>
+              <a:rPr lang="en-US" sz="1400" dirty="0">
+                <a:uFill>
+                  <a:noFill/>
+                </a:uFill>
+              </a:rPr>
+              <a:t> </a:t>
+            </a:r>
+          </a:p>
+          <a:p>
+            <a:pPr lvl="0">
+              <a:spcBef>
+                <a:spcPts val="1200"/>
+              </a:spcBef>
+            </a:pPr>
+            <a:endParaRPr lang="en-US" sz="1400" dirty="0">
+              <a:uFill>
+                <a:noFill/>
+              </a:uFill>
+            </a:endParaRPr>
+          </a:p>
+          <a:p>
+            <a:pPr marL="139700" lvl="0" indent="0">
+              <a:spcBef>
+                <a:spcPts val="1200"/>
+              </a:spcBef>
+              <a:buNone/>
+            </a:pPr>
+            <a:r>
+              <a:rPr lang="en" dirty="0" err="1">
+                <a:solidFill>
+                  <a:schemeClr val="accent1"/>
+                </a:solidFill>
+              </a:rPr>
+              <a:t>Youtube</a:t>
+            </a:r>
+            <a:r>
+              <a:rPr lang="en" dirty="0">
+                <a:solidFill>
+                  <a:schemeClr val="accent1"/>
+                </a:solidFill>
+              </a:rPr>
+              <a:t> Videos:</a:t>
+            </a:r>
+          </a:p>
+          <a:p>
+            <a:pPr lvl="0">
+              <a:spcBef>
+                <a:spcPts val="1200"/>
+              </a:spcBef>
+            </a:pPr>
+            <a:r>
+              <a:rPr lang="en-US" sz="1400" dirty="0">
+                <a:solidFill>
+                  <a:schemeClr val="bg1"/>
+                </a:solidFill>
+                <a:uFill>
+                  <a:noFill/>
+                </a:uFill>
+                <a:hlinkClick r:id="rId3">
+                  <a:extLst>
+                    <a:ext uri="{A12FA001-AC4F-418D-AE19-62706E023703}">
+                      <ahyp:hlinkClr xmlns:ahyp="http://schemas.microsoft.com/office/drawing/2018/hyperlinkcolor" val="tx"/>
+                    </a:ext>
+                  </a:extLst>
+                </a:hlinkClick>
+              </a:rPr>
+              <a:t>https://www.youtube.com/watch?v=UQQsYXa1EHs</a:t>
+            </a:r>
+            <a:endParaRPr lang="en-US" sz="1400" dirty="0">
+              <a:solidFill>
+                <a:schemeClr val="bg1"/>
+              </a:solidFill>
+              <a:uFill>
+                <a:noFill/>
+              </a:uFill>
+            </a:endParaRPr>
+          </a:p>
+          <a:p>
+            <a:pPr lvl="0">
+              <a:spcBef>
+                <a:spcPts val="1200"/>
+              </a:spcBef>
+            </a:pPr>
+            <a:r>
+              <a:rPr lang="en-US" sz="1400" dirty="0">
+                <a:solidFill>
+                  <a:schemeClr val="bg1"/>
+                </a:solidFill>
+                <a:uFill>
+                  <a:noFill/>
+                </a:uFill>
+              </a:rPr>
+              <a:t>https://</a:t>
+            </a:r>
+            <a:r>
+              <a:rPr lang="en-US" sz="1400" dirty="0" err="1">
+                <a:solidFill>
+                  <a:schemeClr val="bg1"/>
+                </a:solidFill>
+                <a:uFill>
+                  <a:noFill/>
+                </a:uFill>
+              </a:rPr>
+              <a:t>www.youtube.com</a:t>
+            </a:r>
+            <a:r>
+              <a:rPr lang="en-US" sz="1400" dirty="0">
+                <a:solidFill>
+                  <a:schemeClr val="bg1"/>
+                </a:solidFill>
+                <a:uFill>
+                  <a:noFill/>
+                </a:uFill>
+              </a:rPr>
+              <a:t>/</a:t>
+            </a:r>
+            <a:r>
+              <a:rPr lang="en-US" sz="1400" dirty="0" err="1">
+                <a:solidFill>
+                  <a:schemeClr val="bg1"/>
+                </a:solidFill>
+                <a:uFill>
+                  <a:noFill/>
+                </a:uFill>
+              </a:rPr>
+              <a:t>watch?v</a:t>
+            </a:r>
+            <a:r>
+              <a:rPr lang="en-US" sz="1400" dirty="0">
+                <a:solidFill>
+                  <a:schemeClr val="bg1"/>
+                </a:solidFill>
+                <a:uFill>
+                  <a:noFill/>
+                </a:uFill>
+              </a:rPr>
+              <a:t>=K8L6KVGG-7o</a:t>
+            </a:r>
+          </a:p>
+          <a:p>
+            <a:pPr lvl="0">
+              <a:spcBef>
+                <a:spcPts val="1200"/>
+              </a:spcBef>
+            </a:pPr>
+            <a:endParaRPr lang="en-US" sz="1400" dirty="0">
+              <a:uFill>
+                <a:noFill/>
+              </a:uFill>
+            </a:endParaRPr>
+          </a:p>
+          <a:p>
+            <a:pPr lvl="0">
+              <a:spcBef>
+                <a:spcPts val="1200"/>
+              </a:spcBef>
+            </a:pPr>
+            <a:endParaRPr lang="en-US" dirty="0"/>
           </a:p>
         </p:txBody>
       </p:sp>
       <p:grpSp>
         <p:nvGrpSpPr>
-          <p:cNvPr id="2573" name="Google Shape;2573;p49"/>
+          <p:cNvPr id="3134" name="Google Shape;3134;p52"/>
           <p:cNvGrpSpPr/>
           <p:nvPr/>
         </p:nvGrpSpPr>
@@ -20973,7 +20928,7 @@
         </p:grpSpPr>
         <p:sp>
           <p:nvSpPr>
-            <p:cNvPr id="2574" name="Google Shape;2574;p49"/>
+            <p:cNvPr id="3135" name="Google Shape;3135;p52"/>
             <p:cNvSpPr txBox="1"/>
             <p:nvPr/>
           </p:nvSpPr>
@@ -21031,7 +20986,7 @@
         </p:sp>
         <p:cxnSp>
           <p:nvCxnSpPr>
-            <p:cNvPr id="2575" name="Google Shape;2575;p49"/>
+            <p:cNvPr id="3136" name="Google Shape;3136;p52"/>
             <p:cNvCxnSpPr/>
             <p:nvPr/>
           </p:nvCxnSpPr>
@@ -21061,7 +21016,7 @@
           <p:cNvPr id="3" name="Subtitle 2">
             <a:extLst>
               <a:ext uri="{FF2B5EF4-FFF2-40B4-BE49-F238E27FC236}">
-                <a16:creationId xmlns:a16="http://schemas.microsoft.com/office/drawing/2014/main" id="{3F2D217C-4F55-104A-BEA8-820634EE5C43}"/>
+                <a16:creationId xmlns:a16="http://schemas.microsoft.com/office/drawing/2014/main" id="{92D7F54C-059E-2D47-9CD4-9E2D92675FC1}"/>
               </a:ext>
             </a:extLst>
           </p:cNvPr>
@@ -21069,7 +21024,57 @@
             <a:spLocks noGrp="1"/>
           </p:cNvSpPr>
           <p:nvPr>
-            <p:ph type="subTitle" idx="1"/>
+            <p:ph type="subTitle" idx="2"/>
+          </p:nvPr>
+        </p:nvSpPr>
+        <p:spPr/>
+        <p:txBody>
+          <a:bodyPr/>
+          <a:lstStyle/>
+          <a:p>
+            <a:endParaRPr lang="en-SA"/>
+          </a:p>
+        </p:txBody>
+      </p:sp>
+      <p:sp>
+        <p:nvSpPr>
+          <p:cNvPr id="5" name="Subtitle 4">
+            <a:extLst>
+              <a:ext uri="{FF2B5EF4-FFF2-40B4-BE49-F238E27FC236}">
+                <a16:creationId xmlns:a16="http://schemas.microsoft.com/office/drawing/2014/main" id="{EDF6AA80-1012-C741-B677-5356F80FB2A3}"/>
+              </a:ext>
+            </a:extLst>
+          </p:cNvPr>
+          <p:cNvSpPr>
+            <a:spLocks noGrp="1"/>
+          </p:cNvSpPr>
+          <p:nvPr>
+            <p:ph type="subTitle" idx="2"/>
+          </p:nvPr>
+        </p:nvSpPr>
+        <p:spPr/>
+        <p:txBody>
+          <a:bodyPr/>
+          <a:lstStyle/>
+          <a:p>
+            <a:endParaRPr lang="en-SA"/>
+          </a:p>
+        </p:txBody>
+      </p:sp>
+      <p:sp>
+        <p:nvSpPr>
+          <p:cNvPr id="7" name="Subtitle 6">
+            <a:extLst>
+              <a:ext uri="{FF2B5EF4-FFF2-40B4-BE49-F238E27FC236}">
+                <a16:creationId xmlns:a16="http://schemas.microsoft.com/office/drawing/2014/main" id="{C0759ED7-951E-2E4B-8CFD-87B7201717EE}"/>
+              </a:ext>
+            </a:extLst>
+          </p:cNvPr>
+          <p:cNvSpPr>
+            <a:spLocks noGrp="1"/>
+          </p:cNvSpPr>
+          <p:nvPr>
+            <p:ph type="subTitle" idx="2"/>
           </p:nvPr>
         </p:nvSpPr>
         <p:spPr/>

--- a/regex_slides.pptx
+++ b/regex_slides.pptx
@@ -5,34 +5,35 @@
     <p:sldMasterId id="2147483672" r:id="rId1"/>
   </p:sldMasterIdLst>
   <p:notesMasterIdLst>
-    <p:notesMasterId r:id="rId12"/>
+    <p:notesMasterId r:id="rId13"/>
   </p:notesMasterIdLst>
   <p:sldIdLst>
     <p:sldId id="256" r:id="rId2"/>
     <p:sldId id="260" r:id="rId3"/>
     <p:sldId id="261" r:id="rId4"/>
     <p:sldId id="266" r:id="rId5"/>
-    <p:sldId id="301" r:id="rId6"/>
-    <p:sldId id="302" r:id="rId7"/>
-    <p:sldId id="300" r:id="rId8"/>
-    <p:sldId id="269" r:id="rId9"/>
-    <p:sldId id="281" r:id="rId10"/>
-    <p:sldId id="278" r:id="rId11"/>
+    <p:sldId id="303" r:id="rId6"/>
+    <p:sldId id="301" r:id="rId7"/>
+    <p:sldId id="302" r:id="rId8"/>
+    <p:sldId id="300" r:id="rId9"/>
+    <p:sldId id="269" r:id="rId10"/>
+    <p:sldId id="281" r:id="rId11"/>
+    <p:sldId id="278" r:id="rId12"/>
   </p:sldIdLst>
   <p:sldSz cx="9144000" cy="5143500" type="screen16x9"/>
   <p:notesSz cx="6858000" cy="9144000"/>
   <p:embeddedFontLst>
     <p:embeddedFont>
       <p:font typeface="Fira Code" panose="020B0809050000020004" pitchFamily="49" charset="0"/>
-      <p:regular r:id="rId13"/>
-      <p:bold r:id="rId14"/>
+      <p:regular r:id="rId14"/>
+      <p:bold r:id="rId15"/>
     </p:embeddedFont>
     <p:embeddedFont>
       <p:font typeface="Montserrat" pitchFamily="2" charset="77"/>
-      <p:regular r:id="rId15"/>
-      <p:bold r:id="rId16"/>
-      <p:italic r:id="rId17"/>
-      <p:boldItalic r:id="rId18"/>
+      <p:regular r:id="rId16"/>
+      <p:bold r:id="rId17"/>
+      <p:italic r:id="rId18"/>
+      <p:boldItalic r:id="rId19"/>
     </p:embeddedFont>
   </p:embeddedFontLst>
   <p:defaultTextStyle>
@@ -822,7 +823,7 @@
   <p:cSld>
     <p:spTree>
       <p:nvGrpSpPr>
-        <p:cNvPr id="1" name="Shape 2540"/>
+        <p:cNvPr id="1" name="Shape 3124"/>
         <p:cNvGrpSpPr/>
         <p:nvPr/>
       </p:nvGrpSpPr>
@@ -836,7 +837,7 @@
       </p:grpSpPr>
       <p:sp>
         <p:nvSpPr>
-          <p:cNvPr id="2541" name="Google Shape;2541;ge7b3cc9d39_0_15:notes"/>
+          <p:cNvPr id="3125" name="Google Shape;3125;ge6b9cfce84_3_86:notes"/>
           <p:cNvSpPr>
             <a:spLocks noGrp="1" noRot="1" noChangeAspect="1"/>
           </p:cNvSpPr>
@@ -877,6 +878,110 @@
       </p:sp>
       <p:sp>
         <p:nvSpPr>
+          <p:cNvPr id="3126" name="Google Shape;3126;ge6b9cfce84_3_86:notes"/>
+          <p:cNvSpPr txBox="1">
+            <a:spLocks noGrp="1"/>
+          </p:cNvSpPr>
+          <p:nvPr>
+            <p:ph type="body" idx="1"/>
+          </p:nvPr>
+        </p:nvSpPr>
+        <p:spPr>
+          <a:xfrm>
+            <a:off x="685800" y="4343400"/>
+            <a:ext cx="5486400" cy="4114800"/>
+          </a:xfrm>
+          <a:prstGeom prst="rect">
+            <a:avLst/>
+          </a:prstGeom>
+        </p:spPr>
+        <p:txBody>
+          <a:bodyPr spcFirstLastPara="1" wrap="square" lIns="91425" tIns="91425" rIns="91425" bIns="91425" anchor="t" anchorCtr="0">
+            <a:noAutofit/>
+          </a:bodyPr>
+          <a:lstStyle/>
+          <a:p>
+            <a:pPr marL="0" lvl="0" indent="0" algn="l" rtl="0">
+              <a:spcBef>
+                <a:spcPts val="0"/>
+              </a:spcBef>
+              <a:spcAft>
+                <a:spcPts val="0"/>
+              </a:spcAft>
+              <a:buNone/>
+            </a:pPr>
+            <a:endParaRPr/>
+          </a:p>
+        </p:txBody>
+      </p:sp>
+    </p:spTree>
+  </p:cSld>
+  <p:clrMapOvr>
+    <a:masterClrMapping/>
+  </p:clrMapOvr>
+</p:notes>
+</file>
+
+<file path=ppt/notesSlides/notesSlide11.xml><?xml version="1.0" encoding="utf-8"?>
+<p:notes xmlns:a="http://schemas.openxmlformats.org/drawingml/2006/main" xmlns:r="http://schemas.openxmlformats.org/officeDocument/2006/relationships" xmlns:p="http://schemas.openxmlformats.org/presentationml/2006/main" showMasterSp="0" showMasterPhAnim="0">
+  <p:cSld>
+    <p:spTree>
+      <p:nvGrpSpPr>
+        <p:cNvPr id="1" name="Shape 2540"/>
+        <p:cNvGrpSpPr/>
+        <p:nvPr/>
+      </p:nvGrpSpPr>
+      <p:grpSpPr>
+        <a:xfrm>
+          <a:off x="0" y="0"/>
+          <a:ext cx="0" cy="0"/>
+          <a:chOff x="0" y="0"/>
+          <a:chExt cx="0" cy="0"/>
+        </a:xfrm>
+      </p:grpSpPr>
+      <p:sp>
+        <p:nvSpPr>
+          <p:cNvPr id="2541" name="Google Shape;2541;ge7b3cc9d39_0_15:notes"/>
+          <p:cNvSpPr>
+            <a:spLocks noGrp="1" noRot="1" noChangeAspect="1"/>
+          </p:cNvSpPr>
+          <p:nvPr>
+            <p:ph type="sldImg" idx="2"/>
+          </p:nvPr>
+        </p:nvSpPr>
+        <p:spPr>
+          <a:xfrm>
+            <a:off x="381000" y="685800"/>
+            <a:ext cx="6096000" cy="3429000"/>
+          </a:xfrm>
+          <a:custGeom>
+            <a:avLst/>
+            <a:gdLst/>
+            <a:ahLst/>
+            <a:cxnLst/>
+            <a:rect l="l" t="t" r="r" b="b"/>
+            <a:pathLst>
+              <a:path w="120000" h="120000" extrusionOk="0">
+                <a:moveTo>
+                  <a:pt x="0" y="0"/>
+                </a:moveTo>
+                <a:lnTo>
+                  <a:pt x="120000" y="0"/>
+                </a:lnTo>
+                <a:lnTo>
+                  <a:pt x="120000" y="120000"/>
+                </a:lnTo>
+                <a:lnTo>
+                  <a:pt x="0" y="120000"/>
+                </a:lnTo>
+                <a:close/>
+              </a:path>
+            </a:pathLst>
+          </a:custGeom>
+        </p:spPr>
+      </p:sp>
+      <p:sp>
+        <p:nvSpPr>
           <p:cNvPr id="2542" name="Google Shape;2542;ge7b3cc9d39_0_15:notes"/>
           <p:cNvSpPr txBox="1">
             <a:spLocks noGrp="1"/>
@@ -1332,7 +1437,7 @@
     </p:spTree>
     <p:extLst>
       <p:ext uri="{BB962C8B-B14F-4D97-AF65-F5344CB8AC3E}">
-        <p14:creationId xmlns:p14="http://schemas.microsoft.com/office/powerpoint/2010/main" val="2604806106"/>
+        <p14:creationId xmlns:p14="http://schemas.microsoft.com/office/powerpoint/2010/main" val="4133157543"/>
       </p:ext>
     </p:extLst>
   </p:cSld>
@@ -1441,7 +1546,7 @@
     </p:spTree>
     <p:extLst>
       <p:ext uri="{BB962C8B-B14F-4D97-AF65-F5344CB8AC3E}">
-        <p14:creationId xmlns:p14="http://schemas.microsoft.com/office/powerpoint/2010/main" val="1523946306"/>
+        <p14:creationId xmlns:p14="http://schemas.microsoft.com/office/powerpoint/2010/main" val="2604806106"/>
       </p:ext>
     </p:extLst>
   </p:cSld>
@@ -1456,7 +1561,7 @@
   <p:cSld>
     <p:spTree>
       <p:nvGrpSpPr>
-        <p:cNvPr id="1" name="Shape 557"/>
+        <p:cNvPr id="1" name="Shape 778"/>
         <p:cNvGrpSpPr/>
         <p:nvPr/>
       </p:nvGrpSpPr>
@@ -1470,7 +1575,7 @@
       </p:grpSpPr>
       <p:sp>
         <p:nvSpPr>
-          <p:cNvPr id="558" name="Google Shape;558;ge7b3cc9d39_0_5:notes"/>
+          <p:cNvPr id="779" name="Google Shape;779;ge7f9c668d6_0_38:notes"/>
           <p:cNvSpPr>
             <a:spLocks noGrp="1" noRot="1" noChangeAspect="1"/>
           </p:cNvSpPr>
@@ -1511,7 +1616,7 @@
       </p:sp>
       <p:sp>
         <p:nvSpPr>
-          <p:cNvPr id="559" name="Google Shape;559;ge7b3cc9d39_0_5:notes"/>
+          <p:cNvPr id="780" name="Google Shape;780;ge7f9c668d6_0_38:notes"/>
           <p:cNvSpPr txBox="1">
             <a:spLocks noGrp="1"/>
           </p:cNvSpPr>
@@ -1550,7 +1655,7 @@
     </p:spTree>
     <p:extLst>
       <p:ext uri="{BB962C8B-B14F-4D97-AF65-F5344CB8AC3E}">
-        <p14:creationId xmlns:p14="http://schemas.microsoft.com/office/powerpoint/2010/main" val="2067737607"/>
+        <p14:creationId xmlns:p14="http://schemas.microsoft.com/office/powerpoint/2010/main" val="1523946306"/>
       </p:ext>
     </p:extLst>
   </p:cSld>
@@ -1565,7 +1670,7 @@
   <p:cSld>
     <p:spTree>
       <p:nvGrpSpPr>
-        <p:cNvPr id="1" name="Shape 817"/>
+        <p:cNvPr id="1" name="Shape 557"/>
         <p:cNvGrpSpPr/>
         <p:nvPr/>
       </p:nvGrpSpPr>
@@ -1579,7 +1684,7 @@
       </p:grpSpPr>
       <p:sp>
         <p:nvSpPr>
-          <p:cNvPr id="818" name="Google Shape;818;ge7f9c668d6_0_1024:notes"/>
+          <p:cNvPr id="558" name="Google Shape;558;ge7b3cc9d39_0_5:notes"/>
           <p:cNvSpPr>
             <a:spLocks noGrp="1" noRot="1" noChangeAspect="1"/>
           </p:cNvSpPr>
@@ -1620,7 +1725,7 @@
       </p:sp>
       <p:sp>
         <p:nvSpPr>
-          <p:cNvPr id="819" name="Google Shape;819;ge7f9c668d6_0_1024:notes"/>
+          <p:cNvPr id="559" name="Google Shape;559;ge7b3cc9d39_0_5:notes"/>
           <p:cNvSpPr txBox="1">
             <a:spLocks noGrp="1"/>
           </p:cNvSpPr>
@@ -1657,6 +1762,11 @@
         </p:txBody>
       </p:sp>
     </p:spTree>
+    <p:extLst>
+      <p:ext uri="{BB962C8B-B14F-4D97-AF65-F5344CB8AC3E}">
+        <p14:creationId xmlns:p14="http://schemas.microsoft.com/office/powerpoint/2010/main" val="2067737607"/>
+      </p:ext>
+    </p:extLst>
   </p:cSld>
   <p:clrMapOvr>
     <a:masterClrMapping/>
@@ -1669,7 +1779,7 @@
   <p:cSld>
     <p:spTree>
       <p:nvGrpSpPr>
-        <p:cNvPr id="1" name="Shape 3124"/>
+        <p:cNvPr id="1" name="Shape 817"/>
         <p:cNvGrpSpPr/>
         <p:nvPr/>
       </p:nvGrpSpPr>
@@ -1683,7 +1793,7 @@
       </p:grpSpPr>
       <p:sp>
         <p:nvSpPr>
-          <p:cNvPr id="3125" name="Google Shape;3125;ge6b9cfce84_3_86:notes"/>
+          <p:cNvPr id="818" name="Google Shape;818;ge7f9c668d6_0_1024:notes"/>
           <p:cNvSpPr>
             <a:spLocks noGrp="1" noRot="1" noChangeAspect="1"/>
           </p:cNvSpPr>
@@ -1724,7 +1834,7 @@
       </p:sp>
       <p:sp>
         <p:nvSpPr>
-          <p:cNvPr id="3126" name="Google Shape;3126;ge6b9cfce84_3_86:notes"/>
+          <p:cNvPr id="819" name="Google Shape;819;ge7f9c668d6_0_1024:notes"/>
           <p:cNvSpPr txBox="1">
             <a:spLocks noGrp="1"/>
           </p:cNvSpPr>
@@ -15170,6 +15280,578 @@
   <p:cSld>
     <p:spTree>
       <p:nvGrpSpPr>
+        <p:cNvPr id="1" name="Shape 3127"/>
+        <p:cNvGrpSpPr/>
+        <p:nvPr/>
+      </p:nvGrpSpPr>
+      <p:grpSpPr>
+        <a:xfrm>
+          <a:off x="0" y="0"/>
+          <a:ext cx="0" cy="0"/>
+          <a:chOff x="0" y="0"/>
+          <a:chExt cx="0" cy="0"/>
+        </a:xfrm>
+      </p:grpSpPr>
+      <p:sp>
+        <p:nvSpPr>
+          <p:cNvPr id="3128" name="Google Shape;3128;p52"/>
+          <p:cNvSpPr txBox="1">
+            <a:spLocks noGrp="1"/>
+          </p:cNvSpPr>
+          <p:nvPr>
+            <p:ph type="title"/>
+          </p:nvPr>
+        </p:nvSpPr>
+        <p:spPr>
+          <a:xfrm>
+            <a:off x="1143250" y="582700"/>
+            <a:ext cx="7290600" cy="541200"/>
+          </a:xfrm>
+          <a:prstGeom prst="rect">
+            <a:avLst/>
+          </a:prstGeom>
+        </p:spPr>
+        <p:txBody>
+          <a:bodyPr spcFirstLastPara="1" wrap="square" lIns="91425" tIns="91425" rIns="91425" bIns="91425" anchor="t" anchorCtr="0">
+            <a:noAutofit/>
+          </a:bodyPr>
+          <a:lstStyle/>
+          <a:p>
+            <a:pPr marL="0" lvl="0" indent="0" algn="l" rtl="0">
+              <a:spcBef>
+                <a:spcPts val="0"/>
+              </a:spcBef>
+              <a:spcAft>
+                <a:spcPts val="0"/>
+              </a:spcAft>
+              <a:buNone/>
+            </a:pPr>
+            <a:r>
+              <a:rPr lang="en" dirty="0"/>
+              <a:t>Resources</a:t>
+            </a:r>
+            <a:r>
+              <a:rPr lang="en" dirty="0">
+                <a:solidFill>
+                  <a:schemeClr val="accent2"/>
+                </a:solidFill>
+              </a:rPr>
+              <a:t> </a:t>
+            </a:r>
+            <a:r>
+              <a:rPr lang="en" dirty="0">
+                <a:solidFill>
+                  <a:schemeClr val="accent6"/>
+                </a:solidFill>
+              </a:rPr>
+              <a:t>{</a:t>
+            </a:r>
+            <a:endParaRPr dirty="0">
+              <a:solidFill>
+                <a:schemeClr val="accent6"/>
+              </a:solidFill>
+            </a:endParaRPr>
+          </a:p>
+        </p:txBody>
+      </p:sp>
+      <p:sp>
+        <p:nvSpPr>
+          <p:cNvPr id="3129" name="Google Shape;3129;p52"/>
+          <p:cNvSpPr txBox="1">
+            <a:spLocks noGrp="1"/>
+          </p:cNvSpPr>
+          <p:nvPr>
+            <p:ph type="body" idx="1"/>
+          </p:nvPr>
+        </p:nvSpPr>
+        <p:spPr>
+          <a:xfrm>
+            <a:off x="1590925" y="1263720"/>
+            <a:ext cx="7241521" cy="2109600"/>
+          </a:xfrm>
+          <a:prstGeom prst="rect">
+            <a:avLst/>
+          </a:prstGeom>
+        </p:spPr>
+        <p:txBody>
+          <a:bodyPr spcFirstLastPara="1" wrap="square" lIns="91425" tIns="91425" rIns="91425" bIns="91425" anchor="t" anchorCtr="0">
+            <a:noAutofit/>
+          </a:bodyPr>
+          <a:lstStyle/>
+          <a:p>
+            <a:pPr marL="0" lvl="0" indent="0" algn="l" rtl="0">
+              <a:spcBef>
+                <a:spcPts val="0"/>
+              </a:spcBef>
+              <a:spcAft>
+                <a:spcPts val="0"/>
+              </a:spcAft>
+              <a:buNone/>
+            </a:pPr>
+            <a:r>
+              <a:rPr lang="en" dirty="0">
+                <a:solidFill>
+                  <a:schemeClr val="accent2"/>
+                </a:solidFill>
+              </a:rPr>
+              <a:t>Documentation:</a:t>
+            </a:r>
+            <a:endParaRPr dirty="0">
+              <a:solidFill>
+                <a:schemeClr val="accent2"/>
+              </a:solidFill>
+            </a:endParaRPr>
+          </a:p>
+          <a:p>
+            <a:pPr lvl="0">
+              <a:spcBef>
+                <a:spcPts val="1200"/>
+              </a:spcBef>
+            </a:pPr>
+            <a:r>
+              <a:rPr lang="en-US" sz="1400" dirty="0">
+                <a:uFill>
+                  <a:noFill/>
+                </a:uFill>
+              </a:rPr>
+              <a:t>https://</a:t>
+            </a:r>
+            <a:r>
+              <a:rPr lang="en-US" sz="1400" dirty="0" err="1">
+                <a:uFill>
+                  <a:noFill/>
+                </a:uFill>
+              </a:rPr>
+              <a:t>docs.python.org</a:t>
+            </a:r>
+            <a:r>
+              <a:rPr lang="en-US" sz="1400" dirty="0">
+                <a:uFill>
+                  <a:noFill/>
+                </a:uFill>
+              </a:rPr>
+              <a:t>/3/</a:t>
+            </a:r>
+            <a:r>
+              <a:rPr lang="en-US" sz="1400" dirty="0" err="1">
+                <a:uFill>
+                  <a:noFill/>
+                </a:uFill>
+              </a:rPr>
+              <a:t>howto</a:t>
+            </a:r>
+            <a:r>
+              <a:rPr lang="en-US" sz="1400" dirty="0">
+                <a:uFill>
+                  <a:noFill/>
+                </a:uFill>
+              </a:rPr>
+              <a:t>/</a:t>
+            </a:r>
+            <a:r>
+              <a:rPr lang="en-US" sz="1400" dirty="0" err="1">
+                <a:uFill>
+                  <a:noFill/>
+                </a:uFill>
+              </a:rPr>
+              <a:t>regex.html#splitting-strings</a:t>
+            </a:r>
+            <a:r>
+              <a:rPr lang="en-US" sz="1400" dirty="0">
+                <a:uFill>
+                  <a:noFill/>
+                </a:uFill>
+              </a:rPr>
+              <a:t> </a:t>
+            </a:r>
+          </a:p>
+          <a:p>
+            <a:pPr lvl="0">
+              <a:spcBef>
+                <a:spcPts val="1200"/>
+              </a:spcBef>
+            </a:pPr>
+            <a:r>
+              <a:rPr lang="en-US" sz="1400" dirty="0">
+                <a:uFill>
+                  <a:noFill/>
+                </a:uFill>
+              </a:rPr>
+              <a:t>https://</a:t>
+            </a:r>
+            <a:r>
+              <a:rPr lang="en-US" sz="1400" dirty="0" err="1">
+                <a:uFill>
+                  <a:noFill/>
+                </a:uFill>
+              </a:rPr>
+              <a:t>docs.python.org</a:t>
+            </a:r>
+            <a:r>
+              <a:rPr lang="en-US" sz="1400" dirty="0">
+                <a:uFill>
+                  <a:noFill/>
+                </a:uFill>
+              </a:rPr>
+              <a:t>/3/library/</a:t>
+            </a:r>
+            <a:r>
+              <a:rPr lang="en-US" sz="1400" dirty="0" err="1">
+                <a:uFill>
+                  <a:noFill/>
+                </a:uFill>
+              </a:rPr>
+              <a:t>re.html#text-munging</a:t>
+            </a:r>
+            <a:r>
+              <a:rPr lang="en-US" sz="1400" dirty="0">
+                <a:uFill>
+                  <a:noFill/>
+                </a:uFill>
+              </a:rPr>
+              <a:t> </a:t>
+            </a:r>
+          </a:p>
+          <a:p>
+            <a:pPr lvl="0">
+              <a:spcBef>
+                <a:spcPts val="1200"/>
+              </a:spcBef>
+            </a:pPr>
+            <a:endParaRPr lang="en-US" sz="1400" dirty="0">
+              <a:uFill>
+                <a:noFill/>
+              </a:uFill>
+            </a:endParaRPr>
+          </a:p>
+          <a:p>
+            <a:pPr marL="139700" lvl="0" indent="0">
+              <a:spcBef>
+                <a:spcPts val="1200"/>
+              </a:spcBef>
+              <a:buNone/>
+            </a:pPr>
+            <a:r>
+              <a:rPr lang="en" dirty="0" err="1">
+                <a:solidFill>
+                  <a:schemeClr val="accent1"/>
+                </a:solidFill>
+              </a:rPr>
+              <a:t>Youtube</a:t>
+            </a:r>
+            <a:r>
+              <a:rPr lang="en" dirty="0">
+                <a:solidFill>
+                  <a:schemeClr val="accent1"/>
+                </a:solidFill>
+              </a:rPr>
+              <a:t> Videos:</a:t>
+            </a:r>
+          </a:p>
+          <a:p>
+            <a:pPr lvl="0">
+              <a:spcBef>
+                <a:spcPts val="1200"/>
+              </a:spcBef>
+            </a:pPr>
+            <a:r>
+              <a:rPr lang="en-US" sz="1400" dirty="0">
+                <a:solidFill>
+                  <a:schemeClr val="bg1"/>
+                </a:solidFill>
+                <a:uFill>
+                  <a:noFill/>
+                </a:uFill>
+                <a:hlinkClick r:id="rId3">
+                  <a:extLst>
+                    <a:ext uri="{A12FA001-AC4F-418D-AE19-62706E023703}">
+                      <ahyp:hlinkClr xmlns:ahyp="http://schemas.microsoft.com/office/drawing/2018/hyperlinkcolor" val="tx"/>
+                    </a:ext>
+                  </a:extLst>
+                </a:hlinkClick>
+              </a:rPr>
+              <a:t>https://www.youtube.com/watch?v=UQQsYXa1EHs</a:t>
+            </a:r>
+            <a:endParaRPr lang="en-US" sz="1400" dirty="0">
+              <a:solidFill>
+                <a:schemeClr val="bg1"/>
+              </a:solidFill>
+              <a:uFill>
+                <a:noFill/>
+              </a:uFill>
+            </a:endParaRPr>
+          </a:p>
+          <a:p>
+            <a:pPr lvl="0">
+              <a:spcBef>
+                <a:spcPts val="1200"/>
+              </a:spcBef>
+            </a:pPr>
+            <a:r>
+              <a:rPr lang="en-US" sz="1400" dirty="0">
+                <a:solidFill>
+                  <a:schemeClr val="bg1"/>
+                </a:solidFill>
+                <a:uFill>
+                  <a:noFill/>
+                </a:uFill>
+              </a:rPr>
+              <a:t>https://</a:t>
+            </a:r>
+            <a:r>
+              <a:rPr lang="en-US" sz="1400" dirty="0" err="1">
+                <a:solidFill>
+                  <a:schemeClr val="bg1"/>
+                </a:solidFill>
+                <a:uFill>
+                  <a:noFill/>
+                </a:uFill>
+              </a:rPr>
+              <a:t>www.youtube.com</a:t>
+            </a:r>
+            <a:r>
+              <a:rPr lang="en-US" sz="1400" dirty="0">
+                <a:solidFill>
+                  <a:schemeClr val="bg1"/>
+                </a:solidFill>
+                <a:uFill>
+                  <a:noFill/>
+                </a:uFill>
+              </a:rPr>
+              <a:t>/</a:t>
+            </a:r>
+            <a:r>
+              <a:rPr lang="en-US" sz="1400" dirty="0" err="1">
+                <a:solidFill>
+                  <a:schemeClr val="bg1"/>
+                </a:solidFill>
+                <a:uFill>
+                  <a:noFill/>
+                </a:uFill>
+              </a:rPr>
+              <a:t>watch?v</a:t>
+            </a:r>
+            <a:r>
+              <a:rPr lang="en-US" sz="1400" dirty="0">
+                <a:solidFill>
+                  <a:schemeClr val="bg1"/>
+                </a:solidFill>
+                <a:uFill>
+                  <a:noFill/>
+                </a:uFill>
+              </a:rPr>
+              <a:t>=K8L6KVGG-7o</a:t>
+            </a:r>
+          </a:p>
+          <a:p>
+            <a:pPr lvl="0">
+              <a:spcBef>
+                <a:spcPts val="1200"/>
+              </a:spcBef>
+            </a:pPr>
+            <a:endParaRPr lang="en-US" sz="1400" dirty="0">
+              <a:uFill>
+                <a:noFill/>
+              </a:uFill>
+            </a:endParaRPr>
+          </a:p>
+          <a:p>
+            <a:pPr lvl="0">
+              <a:spcBef>
+                <a:spcPts val="1200"/>
+              </a:spcBef>
+            </a:pPr>
+            <a:endParaRPr lang="en-US" dirty="0"/>
+          </a:p>
+        </p:txBody>
+      </p:sp>
+      <p:grpSp>
+        <p:nvGrpSpPr>
+          <p:cNvPr id="3134" name="Google Shape;3134;p52"/>
+          <p:cNvGrpSpPr/>
+          <p:nvPr/>
+        </p:nvGrpSpPr>
+        <p:grpSpPr>
+          <a:xfrm>
+            <a:off x="1084825" y="1152525"/>
+            <a:ext cx="506100" cy="3417500"/>
+            <a:chOff x="1084825" y="1152525"/>
+            <a:chExt cx="506100" cy="3417500"/>
+          </a:xfrm>
+        </p:grpSpPr>
+        <p:sp>
+          <p:nvSpPr>
+            <p:cNvPr id="3135" name="Google Shape;3135;p52"/>
+            <p:cNvSpPr txBox="1"/>
+            <p:nvPr/>
+          </p:nvSpPr>
+          <p:spPr>
+            <a:xfrm>
+              <a:off x="1084825" y="3954425"/>
+              <a:ext cx="506100" cy="615600"/>
+            </a:xfrm>
+            <a:prstGeom prst="rect">
+              <a:avLst/>
+            </a:prstGeom>
+            <a:noFill/>
+            <a:ln>
+              <a:noFill/>
+            </a:ln>
+          </p:spPr>
+          <p:txBody>
+            <a:bodyPr spcFirstLastPara="1" wrap="square" lIns="91425" tIns="91425" rIns="91425" bIns="91425" anchor="t" anchorCtr="0">
+              <a:spAutoFit/>
+            </a:bodyPr>
+            <a:lstStyle/>
+            <a:p>
+              <a:pPr marL="0" lvl="0" indent="0" algn="ctr" rtl="0">
+                <a:spcBef>
+                  <a:spcPts val="0"/>
+                </a:spcBef>
+                <a:spcAft>
+                  <a:spcPts val="0"/>
+                </a:spcAft>
+                <a:buNone/>
+              </a:pPr>
+              <a:r>
+                <a:rPr lang="en" sz="2800">
+                  <a:solidFill>
+                    <a:schemeClr val="accent6"/>
+                  </a:solidFill>
+                  <a:latin typeface="Fira Code"/>
+                  <a:ea typeface="Fira Code"/>
+                  <a:cs typeface="Fira Code"/>
+                  <a:sym typeface="Fira Code"/>
+                </a:rPr>
+                <a:t>}</a:t>
+              </a:r>
+              <a:endParaRPr sz="2800">
+                <a:solidFill>
+                  <a:schemeClr val="accent6"/>
+                </a:solidFill>
+                <a:latin typeface="Fira Code"/>
+                <a:ea typeface="Fira Code"/>
+                <a:cs typeface="Fira Code"/>
+                <a:sym typeface="Fira Code"/>
+              </a:endParaRPr>
+            </a:p>
+          </p:txBody>
+        </p:sp>
+        <p:cxnSp>
+          <p:nvCxnSpPr>
+            <p:cNvPr id="3136" name="Google Shape;3136;p52"/>
+            <p:cNvCxnSpPr/>
+            <p:nvPr/>
+          </p:nvCxnSpPr>
+          <p:spPr>
+            <a:xfrm>
+              <a:off x="1337875" y="1152525"/>
+              <a:ext cx="0" cy="2781000"/>
+            </a:xfrm>
+            <a:prstGeom prst="straightConnector1">
+              <a:avLst/>
+            </a:prstGeom>
+            <a:noFill/>
+            <a:ln w="9525" cap="flat" cmpd="sng">
+              <a:solidFill>
+                <a:schemeClr val="accent4"/>
+              </a:solidFill>
+              <a:prstDash val="solid"/>
+              <a:round/>
+              <a:headEnd type="none" w="med" len="med"/>
+              <a:tailEnd type="none" w="med" len="med"/>
+            </a:ln>
+          </p:spPr>
+        </p:cxnSp>
+      </p:grpSp>
+      <p:sp>
+        <p:nvSpPr>
+          <p:cNvPr id="3" name="Subtitle 2">
+            <a:extLst>
+              <a:ext uri="{FF2B5EF4-FFF2-40B4-BE49-F238E27FC236}">
+                <a16:creationId xmlns:a16="http://schemas.microsoft.com/office/drawing/2014/main" id="{92D7F54C-059E-2D47-9CD4-9E2D92675FC1}"/>
+              </a:ext>
+            </a:extLst>
+          </p:cNvPr>
+          <p:cNvSpPr>
+            <a:spLocks noGrp="1"/>
+          </p:cNvSpPr>
+          <p:nvPr>
+            <p:ph type="subTitle" idx="2"/>
+          </p:nvPr>
+        </p:nvSpPr>
+        <p:spPr/>
+        <p:txBody>
+          <a:bodyPr/>
+          <a:lstStyle/>
+          <a:p>
+            <a:endParaRPr lang="en-SA"/>
+          </a:p>
+        </p:txBody>
+      </p:sp>
+      <p:sp>
+        <p:nvSpPr>
+          <p:cNvPr id="5" name="Subtitle 4">
+            <a:extLst>
+              <a:ext uri="{FF2B5EF4-FFF2-40B4-BE49-F238E27FC236}">
+                <a16:creationId xmlns:a16="http://schemas.microsoft.com/office/drawing/2014/main" id="{EDF6AA80-1012-C741-B677-5356F80FB2A3}"/>
+              </a:ext>
+            </a:extLst>
+          </p:cNvPr>
+          <p:cNvSpPr>
+            <a:spLocks noGrp="1"/>
+          </p:cNvSpPr>
+          <p:nvPr>
+            <p:ph type="subTitle" idx="2"/>
+          </p:nvPr>
+        </p:nvSpPr>
+        <p:spPr/>
+        <p:txBody>
+          <a:bodyPr/>
+          <a:lstStyle/>
+          <a:p>
+            <a:endParaRPr lang="en-SA"/>
+          </a:p>
+        </p:txBody>
+      </p:sp>
+      <p:sp>
+        <p:nvSpPr>
+          <p:cNvPr id="7" name="Subtitle 6">
+            <a:extLst>
+              <a:ext uri="{FF2B5EF4-FFF2-40B4-BE49-F238E27FC236}">
+                <a16:creationId xmlns:a16="http://schemas.microsoft.com/office/drawing/2014/main" id="{C0759ED7-951E-2E4B-8CFD-87B7201717EE}"/>
+              </a:ext>
+            </a:extLst>
+          </p:cNvPr>
+          <p:cNvSpPr>
+            <a:spLocks noGrp="1"/>
+          </p:cNvSpPr>
+          <p:nvPr>
+            <p:ph type="subTitle" idx="2"/>
+          </p:nvPr>
+        </p:nvSpPr>
+        <p:spPr/>
+        <p:txBody>
+          <a:bodyPr/>
+          <a:lstStyle/>
+          <a:p>
+            <a:endParaRPr lang="en-SA"/>
+          </a:p>
+        </p:txBody>
+      </p:sp>
+    </p:spTree>
+  </p:cSld>
+  <p:clrMapOvr>
+    <a:masterClrMapping/>
+  </p:clrMapOvr>
+</p:sld>
+</file>
+
+<file path=ppt/slides/slide11.xml><?xml version="1.0" encoding="utf-8"?>
+<p:sld xmlns:a="http://schemas.openxmlformats.org/drawingml/2006/main" xmlns:r="http://schemas.openxmlformats.org/officeDocument/2006/relationships" xmlns:p="http://schemas.openxmlformats.org/presentationml/2006/main">
+  <p:cSld>
+    <p:spTree>
+      <p:nvGrpSpPr>
         <p:cNvPr id="1" name="Shape 2543"/>
         <p:cNvGrpSpPr/>
         <p:nvPr/>
@@ -16614,7 +17296,7 @@
                   <a:schemeClr val="accent3"/>
                 </a:solidFill>
               </a:rPr>
-              <a:t>Escapes Meta Characters inside character classes: “\[“ will match a literal “[“</a:t>
+              <a:t>Used for grouped to use with other clauses</a:t>
             </a:r>
           </a:p>
           <a:p>
@@ -16625,7 +17307,7 @@
                   <a:schemeClr val="accent3"/>
                 </a:solidFill>
               </a:rPr>
-              <a:t>Can be used to call special sequences: \d matches all digits</a:t>
+              <a:t>For example: ^(+966)561550501</a:t>
             </a:r>
           </a:p>
         </p:txBody>
@@ -16646,7 +17328,7 @@
         </p:nvSpPr>
         <p:spPr>
           <a:xfrm flipH="1">
-            <a:off x="1672525" y="2309222"/>
+            <a:off x="1590925" y="2317807"/>
             <a:ext cx="1215000" cy="462300"/>
           </a:xfrm>
           <a:prstGeom prst="rect">
@@ -16911,7 +17593,7 @@
           <a:p>
             <a:r>
               <a:rPr lang="en" dirty="0"/>
-              <a:t>\</a:t>
+              <a:t>( )</a:t>
             </a:r>
           </a:p>
         </p:txBody>
@@ -17595,94 +18277,6 @@
       </p:grpSpPr>
       <p:sp>
         <p:nvSpPr>
-          <p:cNvPr id="782" name="Google Shape;782;p37"/>
-          <p:cNvSpPr txBox="1">
-            <a:spLocks noGrp="1"/>
-          </p:cNvSpPr>
-          <p:nvPr>
-            <p:ph type="body" idx="1"/>
-          </p:nvPr>
-        </p:nvSpPr>
-        <p:spPr>
-          <a:xfrm>
-            <a:off x="2157703" y="1583408"/>
-            <a:ext cx="6909365" cy="751800"/>
-          </a:xfrm>
-          <a:prstGeom prst="rect">
-            <a:avLst/>
-          </a:prstGeom>
-        </p:spPr>
-        <p:txBody>
-          <a:bodyPr spcFirstLastPara="1" wrap="square" lIns="91425" tIns="91425" rIns="91425" bIns="91425" anchor="ctr" anchorCtr="0">
-            <a:noAutofit/>
-          </a:bodyPr>
-          <a:lstStyle/>
-          <a:p>
-            <a:pPr marL="341342" lvl="0" indent="-265184" algn="l" rtl="0">
-              <a:spcBef>
-                <a:spcPts val="0"/>
-              </a:spcBef>
-              <a:spcAft>
-                <a:spcPts val="0"/>
-              </a:spcAft>
-              <a:buSzPts val="1200"/>
-              <a:buChar char="∗"/>
-            </a:pPr>
-            <a:r>
-              <a:rPr lang="en-US" dirty="0">
-                <a:solidFill>
-                  <a:schemeClr val="accent3"/>
-                </a:solidFill>
-              </a:rPr>
-              <a:t>Used to specify the start of a pattern: ^+966 any string that starts with +966</a:t>
-            </a:r>
-          </a:p>
-          <a:p>
-            <a:pPr marL="76158" lvl="0" indent="0" algn="l" rtl="0">
-              <a:spcBef>
-                <a:spcPts val="0"/>
-              </a:spcBef>
-              <a:spcAft>
-                <a:spcPts val="0"/>
-              </a:spcAft>
-              <a:buSzPts val="1200"/>
-              <a:buNone/>
-            </a:pPr>
-            <a:endParaRPr lang="en" dirty="0">
-              <a:solidFill>
-                <a:schemeClr val="accent3"/>
-              </a:solidFill>
-            </a:endParaRPr>
-          </a:p>
-          <a:p>
-            <a:pPr marL="341342" lvl="0" indent="-265184" algn="l" rtl="0">
-              <a:spcBef>
-                <a:spcPts val="0"/>
-              </a:spcBef>
-              <a:spcAft>
-                <a:spcPts val="0"/>
-              </a:spcAft>
-              <a:buSzPts val="1200"/>
-              <a:buChar char="∗"/>
-            </a:pPr>
-            <a:r>
-              <a:rPr lang="en-US" dirty="0">
-                <a:solidFill>
-                  <a:schemeClr val="accent3"/>
-                </a:solidFill>
-              </a:rPr>
-              <a:t>If used at the start of a character class it negate the class: [^0-9] anything except numbers </a:t>
-            </a:r>
-            <a:endParaRPr dirty="0">
-              <a:solidFill>
-                <a:schemeClr val="accent3"/>
-              </a:solidFill>
-            </a:endParaRPr>
-          </a:p>
-        </p:txBody>
-      </p:sp>
-      <p:sp>
-        <p:nvSpPr>
           <p:cNvPr id="783" name="Google Shape;783;p37"/>
           <p:cNvSpPr txBox="1">
             <a:spLocks noGrp="1"/>
@@ -17717,7 +18311,7 @@
             </a:pPr>
             <a:r>
               <a:rPr lang="en" dirty="0"/>
-              <a:t>Meta Characters: anchors</a:t>
+              <a:t>Meta Characters: Backslash </a:t>
             </a:r>
             <a:r>
               <a:rPr lang="en" dirty="0">
@@ -17732,48 +18326,6 @@
                 <a:schemeClr val="accent6"/>
               </a:solidFill>
             </a:endParaRPr>
-          </a:p>
-        </p:txBody>
-      </p:sp>
-      <p:sp>
-        <p:nvSpPr>
-          <p:cNvPr id="784" name="Google Shape;784;p37"/>
-          <p:cNvSpPr txBox="1">
-            <a:spLocks noGrp="1"/>
-          </p:cNvSpPr>
-          <p:nvPr>
-            <p:ph type="title" idx="2"/>
-          </p:nvPr>
-        </p:nvSpPr>
-        <p:spPr>
-          <a:xfrm flipH="1">
-            <a:off x="1468603" y="1683831"/>
-            <a:ext cx="1215000" cy="462300"/>
-          </a:xfrm>
-          <a:prstGeom prst="rect">
-            <a:avLst/>
-          </a:prstGeom>
-        </p:spPr>
-        <p:txBody>
-          <a:bodyPr spcFirstLastPara="1" wrap="square" lIns="91425" tIns="91425" rIns="91425" bIns="91425" anchor="ctr" anchorCtr="0">
-            <a:noAutofit/>
-          </a:bodyPr>
-          <a:lstStyle/>
-          <a:p>
-            <a:pPr marL="0" lvl="0" indent="0" algn="l" rtl="0">
-              <a:spcBef>
-                <a:spcPts val="0"/>
-              </a:spcBef>
-              <a:spcAft>
-                <a:spcPts val="0"/>
-              </a:spcAft>
-              <a:buNone/>
-            </a:pPr>
-            <a:r>
-              <a:rPr lang="en" dirty="0"/>
-              <a:t>^</a:t>
-            </a:r>
-            <a:endParaRPr dirty="0"/>
           </a:p>
         </p:txBody>
       </p:sp>
@@ -17892,7 +18444,7 @@
         </p:nvSpPr>
         <p:spPr>
           <a:xfrm>
-            <a:off x="2076103" y="2974558"/>
+            <a:off x="2198425" y="1188113"/>
             <a:ext cx="6998244" cy="751800"/>
           </a:xfrm>
           <a:prstGeom prst="rect">
@@ -18162,7 +18714,18 @@
                   <a:schemeClr val="accent3"/>
                 </a:solidFill>
               </a:rPr>
-              <a:t>Used to specify the end of a pattern: \.com$ will match any string that ends with the word .com</a:t>
+              <a:t>Escapes Meta Characters inside character classes: “\[“ will match a literal “[“</a:t>
+            </a:r>
+          </a:p>
+          <a:p>
+            <a:pPr marL="341342" indent="-265184"/>
+            <a:r>
+              <a:rPr lang="en-US" dirty="0">
+                <a:solidFill>
+                  <a:schemeClr val="accent3"/>
+                </a:solidFill>
+              </a:rPr>
+              <a:t>Can be used to call special sequences</a:t>
             </a:r>
           </a:p>
         </p:txBody>
@@ -18183,7 +18746,7 @@
         </p:nvSpPr>
         <p:spPr>
           <a:xfrm flipH="1">
-            <a:off x="1468603" y="3087930"/>
+            <a:off x="1590925" y="1204656"/>
             <a:ext cx="1215000" cy="462300"/>
           </a:xfrm>
           <a:prstGeom prst="rect">
@@ -18448,17 +19011,643 @@
           <a:p>
             <a:r>
               <a:rPr lang="en" dirty="0"/>
-              <a:t>$</a:t>
+              <a:t>\</a:t>
             </a:r>
           </a:p>
         </p:txBody>
       </p:sp>
       <p:sp>
         <p:nvSpPr>
-          <p:cNvPr id="3" name="Subtitle 2">
+          <p:cNvPr id="20" name="Google Shape;782;p37">
             <a:extLst>
               <a:ext uri="{FF2B5EF4-FFF2-40B4-BE49-F238E27FC236}">
-                <a16:creationId xmlns:a16="http://schemas.microsoft.com/office/drawing/2014/main" id="{B5E1DAE4-965F-0742-BBB7-6AEB7A75AE20}"/>
+                <a16:creationId xmlns:a16="http://schemas.microsoft.com/office/drawing/2014/main" id="{255BC503-894F-E24C-80B2-70FCDA0908EE}"/>
+              </a:ext>
+            </a:extLst>
+          </p:cNvPr>
+          <p:cNvSpPr txBox="1">
+            <a:spLocks/>
+          </p:cNvSpPr>
+          <p:nvPr/>
+        </p:nvSpPr>
+        <p:spPr>
+          <a:xfrm>
+            <a:off x="1459006" y="2004126"/>
+            <a:ext cx="7469842" cy="1903897"/>
+          </a:xfrm>
+          <a:prstGeom prst="rect">
+            <a:avLst/>
+          </a:prstGeom>
+          <a:noFill/>
+          <a:ln>
+            <a:noFill/>
+          </a:ln>
+        </p:spPr>
+        <p:txBody>
+          <a:bodyPr spcFirstLastPara="1" wrap="square" lIns="91425" tIns="91425" rIns="91425" bIns="91425" anchor="ctr" anchorCtr="0">
+            <a:noAutofit/>
+          </a:bodyPr>
+          <a:lstStyle>
+            <a:defPPr marR="0" lvl="0" algn="l" rtl="0">
+              <a:lnSpc>
+                <a:spcPct val="100000"/>
+              </a:lnSpc>
+              <a:spcBef>
+                <a:spcPts val="0"/>
+              </a:spcBef>
+              <a:spcAft>
+                <a:spcPts val="0"/>
+              </a:spcAft>
+            </a:defPPr>
+            <a:lvl1pPr marL="457200" marR="0" lvl="0" indent="-304800" algn="l" rtl="0">
+              <a:lnSpc>
+                <a:spcPct val="100000"/>
+              </a:lnSpc>
+              <a:spcBef>
+                <a:spcPts val="0"/>
+              </a:spcBef>
+              <a:spcAft>
+                <a:spcPts val="0"/>
+              </a:spcAft>
+              <a:buClr>
+                <a:schemeClr val="accent1"/>
+              </a:buClr>
+              <a:buSzPts val="1200"/>
+              <a:buFont typeface="Fira Code"/>
+              <a:buChar char="∗"/>
+              <a:defRPr sz="1400" b="0" i="0" u="none" strike="noStrike" cap="none">
+                <a:solidFill>
+                  <a:schemeClr val="dk2"/>
+                </a:solidFill>
+                <a:latin typeface="Fira Code"/>
+                <a:ea typeface="Fira Code"/>
+                <a:cs typeface="Fira Code"/>
+                <a:sym typeface="Fira Code"/>
+              </a:defRPr>
+            </a:lvl1pPr>
+            <a:lvl2pPr marL="914400" marR="0" lvl="1" indent="-317500" algn="l" rtl="0">
+              <a:lnSpc>
+                <a:spcPct val="100000"/>
+              </a:lnSpc>
+              <a:spcBef>
+                <a:spcPts val="0"/>
+              </a:spcBef>
+              <a:spcAft>
+                <a:spcPts val="0"/>
+              </a:spcAft>
+              <a:buClr>
+                <a:schemeClr val="lt2"/>
+              </a:buClr>
+              <a:buSzPts val="1400"/>
+              <a:buFont typeface="Montserrat"/>
+              <a:buChar char="○"/>
+              <a:defRPr sz="1400" b="0" i="0" u="none" strike="noStrike" cap="none">
+                <a:solidFill>
+                  <a:schemeClr val="dk2"/>
+                </a:solidFill>
+                <a:latin typeface="Fira Code"/>
+                <a:ea typeface="Fira Code"/>
+                <a:cs typeface="Fira Code"/>
+                <a:sym typeface="Fira Code"/>
+              </a:defRPr>
+            </a:lvl2pPr>
+            <a:lvl3pPr marL="1371600" marR="0" lvl="2" indent="-317500" algn="l" rtl="0">
+              <a:lnSpc>
+                <a:spcPct val="100000"/>
+              </a:lnSpc>
+              <a:spcBef>
+                <a:spcPts val="0"/>
+              </a:spcBef>
+              <a:spcAft>
+                <a:spcPts val="0"/>
+              </a:spcAft>
+              <a:buClr>
+                <a:schemeClr val="lt2"/>
+              </a:buClr>
+              <a:buSzPts val="1400"/>
+              <a:buFont typeface="Montserrat"/>
+              <a:buChar char="■"/>
+              <a:defRPr sz="1400" b="0" i="0" u="none" strike="noStrike" cap="none">
+                <a:solidFill>
+                  <a:schemeClr val="dk2"/>
+                </a:solidFill>
+                <a:latin typeface="Fira Code"/>
+                <a:ea typeface="Fira Code"/>
+                <a:cs typeface="Fira Code"/>
+                <a:sym typeface="Fira Code"/>
+              </a:defRPr>
+            </a:lvl3pPr>
+            <a:lvl4pPr marL="1828800" marR="0" lvl="3" indent="-317500" algn="l" rtl="0">
+              <a:lnSpc>
+                <a:spcPct val="100000"/>
+              </a:lnSpc>
+              <a:spcBef>
+                <a:spcPts val="0"/>
+              </a:spcBef>
+              <a:spcAft>
+                <a:spcPts val="0"/>
+              </a:spcAft>
+              <a:buClr>
+                <a:schemeClr val="lt2"/>
+              </a:buClr>
+              <a:buSzPts val="1400"/>
+              <a:buFont typeface="Montserrat"/>
+              <a:buChar char="●"/>
+              <a:defRPr sz="1400" b="0" i="0" u="none" strike="noStrike" cap="none">
+                <a:solidFill>
+                  <a:schemeClr val="dk2"/>
+                </a:solidFill>
+                <a:latin typeface="Fira Code"/>
+                <a:ea typeface="Fira Code"/>
+                <a:cs typeface="Fira Code"/>
+                <a:sym typeface="Fira Code"/>
+              </a:defRPr>
+            </a:lvl4pPr>
+            <a:lvl5pPr marL="2286000" marR="0" lvl="4" indent="-317500" algn="l" rtl="0">
+              <a:lnSpc>
+                <a:spcPct val="100000"/>
+              </a:lnSpc>
+              <a:spcBef>
+                <a:spcPts val="0"/>
+              </a:spcBef>
+              <a:spcAft>
+                <a:spcPts val="0"/>
+              </a:spcAft>
+              <a:buClr>
+                <a:schemeClr val="lt2"/>
+              </a:buClr>
+              <a:buSzPts val="1400"/>
+              <a:buFont typeface="Montserrat"/>
+              <a:buChar char="○"/>
+              <a:defRPr sz="1400" b="0" i="0" u="none" strike="noStrike" cap="none">
+                <a:solidFill>
+                  <a:schemeClr val="dk2"/>
+                </a:solidFill>
+                <a:latin typeface="Fira Code"/>
+                <a:ea typeface="Fira Code"/>
+                <a:cs typeface="Fira Code"/>
+                <a:sym typeface="Fira Code"/>
+              </a:defRPr>
+            </a:lvl5pPr>
+            <a:lvl6pPr marL="2743200" marR="0" lvl="5" indent="-317500" algn="l" rtl="0">
+              <a:lnSpc>
+                <a:spcPct val="100000"/>
+              </a:lnSpc>
+              <a:spcBef>
+                <a:spcPts val="0"/>
+              </a:spcBef>
+              <a:spcAft>
+                <a:spcPts val="0"/>
+              </a:spcAft>
+              <a:buClr>
+                <a:schemeClr val="lt2"/>
+              </a:buClr>
+              <a:buSzPts val="1400"/>
+              <a:buFont typeface="Montserrat"/>
+              <a:buChar char="■"/>
+              <a:defRPr sz="1400" b="0" i="0" u="none" strike="noStrike" cap="none">
+                <a:solidFill>
+                  <a:schemeClr val="dk2"/>
+                </a:solidFill>
+                <a:latin typeface="Fira Code"/>
+                <a:ea typeface="Fira Code"/>
+                <a:cs typeface="Fira Code"/>
+                <a:sym typeface="Fira Code"/>
+              </a:defRPr>
+            </a:lvl6pPr>
+            <a:lvl7pPr marL="3200400" marR="0" lvl="6" indent="-317500" algn="l" rtl="0">
+              <a:lnSpc>
+                <a:spcPct val="100000"/>
+              </a:lnSpc>
+              <a:spcBef>
+                <a:spcPts val="0"/>
+              </a:spcBef>
+              <a:spcAft>
+                <a:spcPts val="0"/>
+              </a:spcAft>
+              <a:buClr>
+                <a:schemeClr val="lt2"/>
+              </a:buClr>
+              <a:buSzPts val="1400"/>
+              <a:buFont typeface="Montserrat"/>
+              <a:buChar char="●"/>
+              <a:defRPr sz="1400" b="0" i="0" u="none" strike="noStrike" cap="none">
+                <a:solidFill>
+                  <a:schemeClr val="dk2"/>
+                </a:solidFill>
+                <a:latin typeface="Fira Code"/>
+                <a:ea typeface="Fira Code"/>
+                <a:cs typeface="Fira Code"/>
+                <a:sym typeface="Fira Code"/>
+              </a:defRPr>
+            </a:lvl7pPr>
+            <a:lvl8pPr marL="3657600" marR="0" lvl="7" indent="-317500" algn="l" rtl="0">
+              <a:lnSpc>
+                <a:spcPct val="100000"/>
+              </a:lnSpc>
+              <a:spcBef>
+                <a:spcPts val="0"/>
+              </a:spcBef>
+              <a:spcAft>
+                <a:spcPts val="0"/>
+              </a:spcAft>
+              <a:buClr>
+                <a:schemeClr val="lt2"/>
+              </a:buClr>
+              <a:buSzPts val="1400"/>
+              <a:buFont typeface="Montserrat"/>
+              <a:buChar char="○"/>
+              <a:defRPr sz="1400" b="0" i="0" u="none" strike="noStrike" cap="none">
+                <a:solidFill>
+                  <a:schemeClr val="dk2"/>
+                </a:solidFill>
+                <a:latin typeface="Fira Code"/>
+                <a:ea typeface="Fira Code"/>
+                <a:cs typeface="Fira Code"/>
+                <a:sym typeface="Fira Code"/>
+              </a:defRPr>
+            </a:lvl8pPr>
+            <a:lvl9pPr marL="4114800" marR="0" lvl="8" indent="-317500" algn="l" rtl="0">
+              <a:lnSpc>
+                <a:spcPct val="100000"/>
+              </a:lnSpc>
+              <a:spcBef>
+                <a:spcPts val="0"/>
+              </a:spcBef>
+              <a:spcAft>
+                <a:spcPts val="0"/>
+              </a:spcAft>
+              <a:buClr>
+                <a:schemeClr val="lt2"/>
+              </a:buClr>
+              <a:buSzPts val="1400"/>
+              <a:buFont typeface="Montserrat"/>
+              <a:buChar char="■"/>
+              <a:defRPr sz="1400" b="0" i="0" u="none" strike="noStrike" cap="none">
+                <a:solidFill>
+                  <a:schemeClr val="dk2"/>
+                </a:solidFill>
+                <a:latin typeface="Fira Code"/>
+                <a:ea typeface="Fira Code"/>
+                <a:cs typeface="Fira Code"/>
+                <a:sym typeface="Fira Code"/>
+              </a:defRPr>
+            </a:lvl9pPr>
+          </a:lstStyle>
+          <a:p>
+            <a:pPr marL="341342" indent="-265184"/>
+            <a:r>
+              <a:rPr lang="en-US" dirty="0">
+                <a:solidFill>
+                  <a:schemeClr val="accent3"/>
+                </a:solidFill>
+              </a:rPr>
+              <a:t>Special Sequences:</a:t>
+            </a:r>
+          </a:p>
+          <a:p>
+            <a:pPr marL="341342" indent="-265184"/>
+            <a:r>
+              <a:rPr lang="en-US" dirty="0">
+                <a:solidFill>
+                  <a:schemeClr val="accent3"/>
+                </a:solidFill>
+              </a:rPr>
+              <a:t>\d matches all digits [0-9]</a:t>
+            </a:r>
+          </a:p>
+          <a:p>
+            <a:pPr marL="341342" indent="-265184"/>
+            <a:r>
+              <a:rPr lang="en-US" dirty="0">
+                <a:solidFill>
+                  <a:schemeClr val="accent3"/>
+                </a:solidFill>
+              </a:rPr>
+              <a:t>\w matches letters, digits and underscore [A-Za-z0-9_]</a:t>
+            </a:r>
+          </a:p>
+          <a:p>
+            <a:pPr marL="341342" indent="-265184"/>
+            <a:r>
+              <a:rPr lang="en-US" dirty="0">
+                <a:solidFill>
+                  <a:schemeClr val="accent3"/>
+                </a:solidFill>
+              </a:rPr>
+              <a:t>\s matches space, tab and newline</a:t>
+            </a:r>
+          </a:p>
+          <a:p>
+            <a:pPr marL="341342" indent="-265184"/>
+            <a:r>
+              <a:rPr lang="en-US" dirty="0">
+                <a:solidFill>
+                  <a:schemeClr val="accent3"/>
+                </a:solidFill>
+              </a:rPr>
+              <a:t>\b matches word boundary (the start of a word or the end of it)</a:t>
+            </a:r>
+          </a:p>
+          <a:p>
+            <a:pPr marL="341342" indent="-265184"/>
+            <a:endParaRPr lang="en-US" dirty="0">
+              <a:solidFill>
+                <a:schemeClr val="accent3"/>
+              </a:solidFill>
+            </a:endParaRPr>
+          </a:p>
+        </p:txBody>
+      </p:sp>
+      <p:sp>
+        <p:nvSpPr>
+          <p:cNvPr id="21" name="Google Shape;784;p37">
+            <a:extLst>
+              <a:ext uri="{FF2B5EF4-FFF2-40B4-BE49-F238E27FC236}">
+                <a16:creationId xmlns:a16="http://schemas.microsoft.com/office/drawing/2014/main" id="{8CD18A5B-6665-9E42-9A65-04B65DD8C205}"/>
+              </a:ext>
+            </a:extLst>
+          </p:cNvPr>
+          <p:cNvSpPr txBox="1">
+            <a:spLocks/>
+          </p:cNvSpPr>
+          <p:nvPr/>
+        </p:nvSpPr>
+        <p:spPr>
+          <a:xfrm flipH="1">
+            <a:off x="1672525" y="3236376"/>
+            <a:ext cx="1215000" cy="462300"/>
+          </a:xfrm>
+          <a:prstGeom prst="rect">
+            <a:avLst/>
+          </a:prstGeom>
+          <a:noFill/>
+          <a:ln>
+            <a:noFill/>
+          </a:ln>
+        </p:spPr>
+        <p:txBody>
+          <a:bodyPr spcFirstLastPara="1" wrap="square" lIns="91425" tIns="91425" rIns="91425" bIns="91425" anchor="ctr" anchorCtr="0">
+            <a:noAutofit/>
+          </a:bodyPr>
+          <a:lstStyle>
+            <a:defPPr marR="0" lvl="0" algn="l" rtl="0">
+              <a:lnSpc>
+                <a:spcPct val="100000"/>
+              </a:lnSpc>
+              <a:spcBef>
+                <a:spcPts val="0"/>
+              </a:spcBef>
+              <a:spcAft>
+                <a:spcPts val="0"/>
+              </a:spcAft>
+            </a:defPPr>
+            <a:lvl1pPr marR="0" lvl="0" algn="l" rtl="0">
+              <a:lnSpc>
+                <a:spcPct val="100000"/>
+              </a:lnSpc>
+              <a:spcBef>
+                <a:spcPts val="0"/>
+              </a:spcBef>
+              <a:spcAft>
+                <a:spcPts val="0"/>
+              </a:spcAft>
+              <a:buClr>
+                <a:schemeClr val="lt1"/>
+              </a:buClr>
+              <a:buSzPts val="2500"/>
+              <a:buFont typeface="Fira Code"/>
+              <a:buNone/>
+              <a:defRPr sz="2000" b="0" i="0" u="none" strike="noStrike" cap="none">
+                <a:solidFill>
+                  <a:schemeClr val="accent2"/>
+                </a:solidFill>
+                <a:latin typeface="Fira Code"/>
+                <a:ea typeface="Fira Code"/>
+                <a:cs typeface="Fira Code"/>
+                <a:sym typeface="Fira Code"/>
+              </a:defRPr>
+            </a:lvl1pPr>
+            <a:lvl2pPr marR="0" lvl="1" algn="r" rtl="0">
+              <a:lnSpc>
+                <a:spcPct val="100000"/>
+              </a:lnSpc>
+              <a:spcBef>
+                <a:spcPts val="0"/>
+              </a:spcBef>
+              <a:spcAft>
+                <a:spcPts val="0"/>
+              </a:spcAft>
+              <a:buClr>
+                <a:schemeClr val="dk1"/>
+              </a:buClr>
+              <a:buSzPts val="2500"/>
+              <a:buFont typeface="Fira Code"/>
+              <a:buNone/>
+              <a:defRPr sz="2500" b="0" i="0" u="none" strike="noStrike" cap="none">
+                <a:solidFill>
+                  <a:schemeClr val="dk1"/>
+                </a:solidFill>
+                <a:latin typeface="Fira Code"/>
+                <a:ea typeface="Fira Code"/>
+                <a:cs typeface="Fira Code"/>
+                <a:sym typeface="Fira Code"/>
+              </a:defRPr>
+            </a:lvl2pPr>
+            <a:lvl3pPr marR="0" lvl="2" algn="r" rtl="0">
+              <a:lnSpc>
+                <a:spcPct val="100000"/>
+              </a:lnSpc>
+              <a:spcBef>
+                <a:spcPts val="0"/>
+              </a:spcBef>
+              <a:spcAft>
+                <a:spcPts val="0"/>
+              </a:spcAft>
+              <a:buClr>
+                <a:schemeClr val="dk1"/>
+              </a:buClr>
+              <a:buSzPts val="2500"/>
+              <a:buFont typeface="Fira Code"/>
+              <a:buNone/>
+              <a:defRPr sz="2500" b="0" i="0" u="none" strike="noStrike" cap="none">
+                <a:solidFill>
+                  <a:schemeClr val="dk1"/>
+                </a:solidFill>
+                <a:latin typeface="Fira Code"/>
+                <a:ea typeface="Fira Code"/>
+                <a:cs typeface="Fira Code"/>
+                <a:sym typeface="Fira Code"/>
+              </a:defRPr>
+            </a:lvl3pPr>
+            <a:lvl4pPr marR="0" lvl="3" algn="r" rtl="0">
+              <a:lnSpc>
+                <a:spcPct val="100000"/>
+              </a:lnSpc>
+              <a:spcBef>
+                <a:spcPts val="0"/>
+              </a:spcBef>
+              <a:spcAft>
+                <a:spcPts val="0"/>
+              </a:spcAft>
+              <a:buClr>
+                <a:schemeClr val="dk1"/>
+              </a:buClr>
+              <a:buSzPts val="2500"/>
+              <a:buFont typeface="Fira Code"/>
+              <a:buNone/>
+              <a:defRPr sz="2500" b="0" i="0" u="none" strike="noStrike" cap="none">
+                <a:solidFill>
+                  <a:schemeClr val="dk1"/>
+                </a:solidFill>
+                <a:latin typeface="Fira Code"/>
+                <a:ea typeface="Fira Code"/>
+                <a:cs typeface="Fira Code"/>
+                <a:sym typeface="Fira Code"/>
+              </a:defRPr>
+            </a:lvl4pPr>
+            <a:lvl5pPr marR="0" lvl="4" algn="r" rtl="0">
+              <a:lnSpc>
+                <a:spcPct val="100000"/>
+              </a:lnSpc>
+              <a:spcBef>
+                <a:spcPts val="0"/>
+              </a:spcBef>
+              <a:spcAft>
+                <a:spcPts val="0"/>
+              </a:spcAft>
+              <a:buClr>
+                <a:schemeClr val="dk1"/>
+              </a:buClr>
+              <a:buSzPts val="2500"/>
+              <a:buFont typeface="Fira Code"/>
+              <a:buNone/>
+              <a:defRPr sz="2500" b="0" i="0" u="none" strike="noStrike" cap="none">
+                <a:solidFill>
+                  <a:schemeClr val="dk1"/>
+                </a:solidFill>
+                <a:latin typeface="Fira Code"/>
+                <a:ea typeface="Fira Code"/>
+                <a:cs typeface="Fira Code"/>
+                <a:sym typeface="Fira Code"/>
+              </a:defRPr>
+            </a:lvl5pPr>
+            <a:lvl6pPr marR="0" lvl="5" algn="r" rtl="0">
+              <a:lnSpc>
+                <a:spcPct val="100000"/>
+              </a:lnSpc>
+              <a:spcBef>
+                <a:spcPts val="0"/>
+              </a:spcBef>
+              <a:spcAft>
+                <a:spcPts val="0"/>
+              </a:spcAft>
+              <a:buClr>
+                <a:schemeClr val="dk1"/>
+              </a:buClr>
+              <a:buSzPts val="2500"/>
+              <a:buFont typeface="Fira Code"/>
+              <a:buNone/>
+              <a:defRPr sz="2500" b="0" i="0" u="none" strike="noStrike" cap="none">
+                <a:solidFill>
+                  <a:schemeClr val="dk1"/>
+                </a:solidFill>
+                <a:latin typeface="Fira Code"/>
+                <a:ea typeface="Fira Code"/>
+                <a:cs typeface="Fira Code"/>
+                <a:sym typeface="Fira Code"/>
+              </a:defRPr>
+            </a:lvl6pPr>
+            <a:lvl7pPr marR="0" lvl="6" algn="r" rtl="0">
+              <a:lnSpc>
+                <a:spcPct val="100000"/>
+              </a:lnSpc>
+              <a:spcBef>
+                <a:spcPts val="0"/>
+              </a:spcBef>
+              <a:spcAft>
+                <a:spcPts val="0"/>
+              </a:spcAft>
+              <a:buClr>
+                <a:schemeClr val="dk1"/>
+              </a:buClr>
+              <a:buSzPts val="2500"/>
+              <a:buFont typeface="Fira Code"/>
+              <a:buNone/>
+              <a:defRPr sz="2500" b="0" i="0" u="none" strike="noStrike" cap="none">
+                <a:solidFill>
+                  <a:schemeClr val="dk1"/>
+                </a:solidFill>
+                <a:latin typeface="Fira Code"/>
+                <a:ea typeface="Fira Code"/>
+                <a:cs typeface="Fira Code"/>
+                <a:sym typeface="Fira Code"/>
+              </a:defRPr>
+            </a:lvl7pPr>
+            <a:lvl8pPr marR="0" lvl="7" algn="r" rtl="0">
+              <a:lnSpc>
+                <a:spcPct val="100000"/>
+              </a:lnSpc>
+              <a:spcBef>
+                <a:spcPts val="0"/>
+              </a:spcBef>
+              <a:spcAft>
+                <a:spcPts val="0"/>
+              </a:spcAft>
+              <a:buClr>
+                <a:schemeClr val="dk1"/>
+              </a:buClr>
+              <a:buSzPts val="2500"/>
+              <a:buFont typeface="Fira Code"/>
+              <a:buNone/>
+              <a:defRPr sz="2500" b="0" i="0" u="none" strike="noStrike" cap="none">
+                <a:solidFill>
+                  <a:schemeClr val="dk1"/>
+                </a:solidFill>
+                <a:latin typeface="Fira Code"/>
+                <a:ea typeface="Fira Code"/>
+                <a:cs typeface="Fira Code"/>
+                <a:sym typeface="Fira Code"/>
+              </a:defRPr>
+            </a:lvl8pPr>
+            <a:lvl9pPr marR="0" lvl="8" algn="r" rtl="0">
+              <a:lnSpc>
+                <a:spcPct val="100000"/>
+              </a:lnSpc>
+              <a:spcBef>
+                <a:spcPts val="0"/>
+              </a:spcBef>
+              <a:spcAft>
+                <a:spcPts val="0"/>
+              </a:spcAft>
+              <a:buClr>
+                <a:schemeClr val="dk1"/>
+              </a:buClr>
+              <a:buSzPts val="2500"/>
+              <a:buFont typeface="Fira Code"/>
+              <a:buNone/>
+              <a:defRPr sz="2500" b="0" i="0" u="none" strike="noStrike" cap="none">
+                <a:solidFill>
+                  <a:schemeClr val="dk1"/>
+                </a:solidFill>
+                <a:latin typeface="Fira Code"/>
+                <a:ea typeface="Fira Code"/>
+                <a:cs typeface="Fira Code"/>
+                <a:sym typeface="Fira Code"/>
+              </a:defRPr>
+            </a:lvl9pPr>
+          </a:lstStyle>
+          <a:p>
+            <a:endParaRPr lang="en" dirty="0"/>
+          </a:p>
+        </p:txBody>
+      </p:sp>
+      <p:sp>
+        <p:nvSpPr>
+          <p:cNvPr id="7" name="Subtitle 6">
+            <a:extLst>
+              <a:ext uri="{FF2B5EF4-FFF2-40B4-BE49-F238E27FC236}">
+                <a16:creationId xmlns:a16="http://schemas.microsoft.com/office/drawing/2014/main" id="{A7547F54-5B78-A249-A7D5-652AD9C03EB2}"/>
               </a:ext>
             </a:extLst>
           </p:cNvPr>
@@ -18480,10 +19669,10 @@
       </p:sp>
       <p:sp>
         <p:nvSpPr>
-          <p:cNvPr id="5" name="Subtitle 4">
+          <p:cNvPr id="9" name="Subtitle 8">
             <a:extLst>
               <a:ext uri="{FF2B5EF4-FFF2-40B4-BE49-F238E27FC236}">
-                <a16:creationId xmlns:a16="http://schemas.microsoft.com/office/drawing/2014/main" id="{1E27FC34-01D1-DA47-93E8-127CA629DD02}"/>
+                <a16:creationId xmlns:a16="http://schemas.microsoft.com/office/drawing/2014/main" id="{9B5B499D-1D45-EA43-9C3E-3C40825ACFF2}"/>
               </a:ext>
             </a:extLst>
           </p:cNvPr>
@@ -18499,39 +19688,14 @@
           <a:bodyPr/>
           <a:lstStyle/>
           <a:p>
-            <a:endParaRPr lang="en-SA"/>
-          </a:p>
-        </p:txBody>
-      </p:sp>
-      <p:sp>
-        <p:nvSpPr>
-          <p:cNvPr id="7" name="Subtitle 6">
-            <a:extLst>
-              <a:ext uri="{FF2B5EF4-FFF2-40B4-BE49-F238E27FC236}">
-                <a16:creationId xmlns:a16="http://schemas.microsoft.com/office/drawing/2014/main" id="{DE95E003-60C8-6B48-A9EF-515669402E93}"/>
-              </a:ext>
-            </a:extLst>
-          </p:cNvPr>
-          <p:cNvSpPr>
-            <a:spLocks noGrp="1"/>
-          </p:cNvSpPr>
-          <p:nvPr>
-            <p:ph type="subTitle" idx="5"/>
-          </p:nvPr>
-        </p:nvSpPr>
-        <p:spPr/>
-        <p:txBody>
-          <a:bodyPr/>
-          <a:lstStyle/>
-          <a:p>
-            <a:endParaRPr lang="en-SA"/>
+            <a:endParaRPr lang="en-SA" dirty="0"/>
           </a:p>
         </p:txBody>
       </p:sp>
     </p:spTree>
     <p:extLst>
       <p:ext uri="{BB962C8B-B14F-4D97-AF65-F5344CB8AC3E}">
-        <p14:creationId xmlns:p14="http://schemas.microsoft.com/office/powerpoint/2010/main" val="1392385745"/>
+        <p14:creationId xmlns:p14="http://schemas.microsoft.com/office/powerpoint/2010/main" val="100778372"/>
       </p:ext>
     </p:extLst>
   </p:cSld>
@@ -18570,8 +19734,8 @@
         </p:nvSpPr>
         <p:spPr>
           <a:xfrm>
-            <a:off x="2096115" y="1381136"/>
-            <a:ext cx="6080723" cy="751800"/>
+            <a:off x="2157703" y="1583408"/>
+            <a:ext cx="6909365" cy="751800"/>
           </a:xfrm>
           <a:prstGeom prst="rect">
             <a:avLst/>
@@ -18583,14 +19747,60 @@
           </a:bodyPr>
           <a:lstStyle/>
           <a:p>
-            <a:pPr marL="341342" lvl="0" indent="-265184"/>
+            <a:pPr marL="341342" lvl="0" indent="-265184" algn="l" rtl="0">
+              <a:spcBef>
+                <a:spcPts val="0"/>
+              </a:spcBef>
+              <a:spcAft>
+                <a:spcPts val="0"/>
+              </a:spcAft>
+              <a:buSzPts val="1200"/>
+              <a:buChar char="∗"/>
+            </a:pPr>
             <a:r>
               <a:rPr lang="en-US" dirty="0">
                 <a:solidFill>
                   <a:schemeClr val="accent3"/>
                 </a:solidFill>
               </a:rPr>
-              <a:t>Used to specify an exact number of occurrences: a{3} will match only if a is repeated 3 times</a:t>
+              <a:t>Used to specify the start of a pattern: ^+966 any string that starts with +966</a:t>
+            </a:r>
+          </a:p>
+          <a:p>
+            <a:pPr marL="76158" lvl="0" indent="0" algn="l" rtl="0">
+              <a:spcBef>
+                <a:spcPts val="0"/>
+              </a:spcBef>
+              <a:spcAft>
+                <a:spcPts val="0"/>
+              </a:spcAft>
+              <a:buSzPts val="1200"/>
+              <a:buNone/>
+            </a:pPr>
+            <a:endParaRPr lang="en" dirty="0">
+              <a:solidFill>
+                <a:schemeClr val="accent3"/>
+              </a:solidFill>
+            </a:endParaRPr>
+          </a:p>
+          <a:p>
+            <a:pPr marL="341342" lvl="0" indent="-265184" algn="l" rtl="0">
+              <a:spcBef>
+                <a:spcPts val="0"/>
+              </a:spcBef>
+              <a:spcAft>
+                <a:spcPts val="0"/>
+              </a:spcAft>
+              <a:buSzPts val="1200"/>
+              <a:buChar char="∗"/>
+            </a:pPr>
+            <a:r>
+              <a:rPr lang="en-US" dirty="0">
+                <a:solidFill>
+                  <a:schemeClr val="accent3"/>
+                </a:solidFill>
+              </a:rPr>
+              <a:t>If used at the start of a character class it negate the class: [^0-9] anything except numbers </a:t>
             </a:r>
             <a:endParaRPr dirty="0">
               <a:solidFill>
@@ -18636,7 +19846,7 @@
             </a:pPr>
             <a:r>
               <a:rPr lang="en" dirty="0"/>
-              <a:t>Meta Characters: Quantifiers</a:t>
+              <a:t>Meta Characters: anchors</a:t>
             </a:r>
             <a:r>
               <a:rPr lang="en" dirty="0">
@@ -18666,7 +19876,7 @@
         </p:nvSpPr>
         <p:spPr>
           <a:xfrm flipH="1">
-            <a:off x="1407015" y="1481559"/>
+            <a:off x="1468603" y="1683831"/>
             <a:ext cx="1215000" cy="462300"/>
           </a:xfrm>
           <a:prstGeom prst="rect">
@@ -18690,7 +19900,7 @@
             </a:pPr>
             <a:r>
               <a:rPr lang="en" dirty="0"/>
-              <a:t>{ }</a:t>
+              <a:t>^</a:t>
             </a:r>
             <a:endParaRPr dirty="0"/>
           </a:p>
@@ -18811,6 +20021,925 @@
         </p:nvSpPr>
         <p:spPr>
           <a:xfrm>
+            <a:off x="2076103" y="2974558"/>
+            <a:ext cx="6998244" cy="751800"/>
+          </a:xfrm>
+          <a:prstGeom prst="rect">
+            <a:avLst/>
+          </a:prstGeom>
+          <a:noFill/>
+          <a:ln>
+            <a:noFill/>
+          </a:ln>
+        </p:spPr>
+        <p:txBody>
+          <a:bodyPr spcFirstLastPara="1" wrap="square" lIns="91425" tIns="91425" rIns="91425" bIns="91425" anchor="ctr" anchorCtr="0">
+            <a:noAutofit/>
+          </a:bodyPr>
+          <a:lstStyle>
+            <a:defPPr marR="0" lvl="0" algn="l" rtl="0">
+              <a:lnSpc>
+                <a:spcPct val="100000"/>
+              </a:lnSpc>
+              <a:spcBef>
+                <a:spcPts val="0"/>
+              </a:spcBef>
+              <a:spcAft>
+                <a:spcPts val="0"/>
+              </a:spcAft>
+            </a:defPPr>
+            <a:lvl1pPr marL="457200" marR="0" lvl="0" indent="-304800" algn="l" rtl="0">
+              <a:lnSpc>
+                <a:spcPct val="100000"/>
+              </a:lnSpc>
+              <a:spcBef>
+                <a:spcPts val="0"/>
+              </a:spcBef>
+              <a:spcAft>
+                <a:spcPts val="0"/>
+              </a:spcAft>
+              <a:buClr>
+                <a:schemeClr val="accent1"/>
+              </a:buClr>
+              <a:buSzPts val="1200"/>
+              <a:buFont typeface="Fira Code"/>
+              <a:buChar char="∗"/>
+              <a:defRPr sz="1400" b="0" i="0" u="none" strike="noStrike" cap="none">
+                <a:solidFill>
+                  <a:schemeClr val="dk2"/>
+                </a:solidFill>
+                <a:latin typeface="Fira Code"/>
+                <a:ea typeface="Fira Code"/>
+                <a:cs typeface="Fira Code"/>
+                <a:sym typeface="Fira Code"/>
+              </a:defRPr>
+            </a:lvl1pPr>
+            <a:lvl2pPr marL="914400" marR="0" lvl="1" indent="-317500" algn="l" rtl="0">
+              <a:lnSpc>
+                <a:spcPct val="100000"/>
+              </a:lnSpc>
+              <a:spcBef>
+                <a:spcPts val="0"/>
+              </a:spcBef>
+              <a:spcAft>
+                <a:spcPts val="0"/>
+              </a:spcAft>
+              <a:buClr>
+                <a:schemeClr val="lt2"/>
+              </a:buClr>
+              <a:buSzPts val="1400"/>
+              <a:buFont typeface="Montserrat"/>
+              <a:buChar char="○"/>
+              <a:defRPr sz="1400" b="0" i="0" u="none" strike="noStrike" cap="none">
+                <a:solidFill>
+                  <a:schemeClr val="dk2"/>
+                </a:solidFill>
+                <a:latin typeface="Fira Code"/>
+                <a:ea typeface="Fira Code"/>
+                <a:cs typeface="Fira Code"/>
+                <a:sym typeface="Fira Code"/>
+              </a:defRPr>
+            </a:lvl2pPr>
+            <a:lvl3pPr marL="1371600" marR="0" lvl="2" indent="-317500" algn="l" rtl="0">
+              <a:lnSpc>
+                <a:spcPct val="100000"/>
+              </a:lnSpc>
+              <a:spcBef>
+                <a:spcPts val="0"/>
+              </a:spcBef>
+              <a:spcAft>
+                <a:spcPts val="0"/>
+              </a:spcAft>
+              <a:buClr>
+                <a:schemeClr val="lt2"/>
+              </a:buClr>
+              <a:buSzPts val="1400"/>
+              <a:buFont typeface="Montserrat"/>
+              <a:buChar char="■"/>
+              <a:defRPr sz="1400" b="0" i="0" u="none" strike="noStrike" cap="none">
+                <a:solidFill>
+                  <a:schemeClr val="dk2"/>
+                </a:solidFill>
+                <a:latin typeface="Fira Code"/>
+                <a:ea typeface="Fira Code"/>
+                <a:cs typeface="Fira Code"/>
+                <a:sym typeface="Fira Code"/>
+              </a:defRPr>
+            </a:lvl3pPr>
+            <a:lvl4pPr marL="1828800" marR="0" lvl="3" indent="-317500" algn="l" rtl="0">
+              <a:lnSpc>
+                <a:spcPct val="100000"/>
+              </a:lnSpc>
+              <a:spcBef>
+                <a:spcPts val="0"/>
+              </a:spcBef>
+              <a:spcAft>
+                <a:spcPts val="0"/>
+              </a:spcAft>
+              <a:buClr>
+                <a:schemeClr val="lt2"/>
+              </a:buClr>
+              <a:buSzPts val="1400"/>
+              <a:buFont typeface="Montserrat"/>
+              <a:buChar char="●"/>
+              <a:defRPr sz="1400" b="0" i="0" u="none" strike="noStrike" cap="none">
+                <a:solidFill>
+                  <a:schemeClr val="dk2"/>
+                </a:solidFill>
+                <a:latin typeface="Fira Code"/>
+                <a:ea typeface="Fira Code"/>
+                <a:cs typeface="Fira Code"/>
+                <a:sym typeface="Fira Code"/>
+              </a:defRPr>
+            </a:lvl4pPr>
+            <a:lvl5pPr marL="2286000" marR="0" lvl="4" indent="-317500" algn="l" rtl="0">
+              <a:lnSpc>
+                <a:spcPct val="100000"/>
+              </a:lnSpc>
+              <a:spcBef>
+                <a:spcPts val="0"/>
+              </a:spcBef>
+              <a:spcAft>
+                <a:spcPts val="0"/>
+              </a:spcAft>
+              <a:buClr>
+                <a:schemeClr val="lt2"/>
+              </a:buClr>
+              <a:buSzPts val="1400"/>
+              <a:buFont typeface="Montserrat"/>
+              <a:buChar char="○"/>
+              <a:defRPr sz="1400" b="0" i="0" u="none" strike="noStrike" cap="none">
+                <a:solidFill>
+                  <a:schemeClr val="dk2"/>
+                </a:solidFill>
+                <a:latin typeface="Fira Code"/>
+                <a:ea typeface="Fira Code"/>
+                <a:cs typeface="Fira Code"/>
+                <a:sym typeface="Fira Code"/>
+              </a:defRPr>
+            </a:lvl5pPr>
+            <a:lvl6pPr marL="2743200" marR="0" lvl="5" indent="-317500" algn="l" rtl="0">
+              <a:lnSpc>
+                <a:spcPct val="100000"/>
+              </a:lnSpc>
+              <a:spcBef>
+                <a:spcPts val="0"/>
+              </a:spcBef>
+              <a:spcAft>
+                <a:spcPts val="0"/>
+              </a:spcAft>
+              <a:buClr>
+                <a:schemeClr val="lt2"/>
+              </a:buClr>
+              <a:buSzPts val="1400"/>
+              <a:buFont typeface="Montserrat"/>
+              <a:buChar char="■"/>
+              <a:defRPr sz="1400" b="0" i="0" u="none" strike="noStrike" cap="none">
+                <a:solidFill>
+                  <a:schemeClr val="dk2"/>
+                </a:solidFill>
+                <a:latin typeface="Fira Code"/>
+                <a:ea typeface="Fira Code"/>
+                <a:cs typeface="Fira Code"/>
+                <a:sym typeface="Fira Code"/>
+              </a:defRPr>
+            </a:lvl6pPr>
+            <a:lvl7pPr marL="3200400" marR="0" lvl="6" indent="-317500" algn="l" rtl="0">
+              <a:lnSpc>
+                <a:spcPct val="100000"/>
+              </a:lnSpc>
+              <a:spcBef>
+                <a:spcPts val="0"/>
+              </a:spcBef>
+              <a:spcAft>
+                <a:spcPts val="0"/>
+              </a:spcAft>
+              <a:buClr>
+                <a:schemeClr val="lt2"/>
+              </a:buClr>
+              <a:buSzPts val="1400"/>
+              <a:buFont typeface="Montserrat"/>
+              <a:buChar char="●"/>
+              <a:defRPr sz="1400" b="0" i="0" u="none" strike="noStrike" cap="none">
+                <a:solidFill>
+                  <a:schemeClr val="dk2"/>
+                </a:solidFill>
+                <a:latin typeface="Fira Code"/>
+                <a:ea typeface="Fira Code"/>
+                <a:cs typeface="Fira Code"/>
+                <a:sym typeface="Fira Code"/>
+              </a:defRPr>
+            </a:lvl7pPr>
+            <a:lvl8pPr marL="3657600" marR="0" lvl="7" indent="-317500" algn="l" rtl="0">
+              <a:lnSpc>
+                <a:spcPct val="100000"/>
+              </a:lnSpc>
+              <a:spcBef>
+                <a:spcPts val="0"/>
+              </a:spcBef>
+              <a:spcAft>
+                <a:spcPts val="0"/>
+              </a:spcAft>
+              <a:buClr>
+                <a:schemeClr val="lt2"/>
+              </a:buClr>
+              <a:buSzPts val="1400"/>
+              <a:buFont typeface="Montserrat"/>
+              <a:buChar char="○"/>
+              <a:defRPr sz="1400" b="0" i="0" u="none" strike="noStrike" cap="none">
+                <a:solidFill>
+                  <a:schemeClr val="dk2"/>
+                </a:solidFill>
+                <a:latin typeface="Fira Code"/>
+                <a:ea typeface="Fira Code"/>
+                <a:cs typeface="Fira Code"/>
+                <a:sym typeface="Fira Code"/>
+              </a:defRPr>
+            </a:lvl8pPr>
+            <a:lvl9pPr marL="4114800" marR="0" lvl="8" indent="-317500" algn="l" rtl="0">
+              <a:lnSpc>
+                <a:spcPct val="100000"/>
+              </a:lnSpc>
+              <a:spcBef>
+                <a:spcPts val="0"/>
+              </a:spcBef>
+              <a:spcAft>
+                <a:spcPts val="0"/>
+              </a:spcAft>
+              <a:buClr>
+                <a:schemeClr val="lt2"/>
+              </a:buClr>
+              <a:buSzPts val="1400"/>
+              <a:buFont typeface="Montserrat"/>
+              <a:buChar char="■"/>
+              <a:defRPr sz="1400" b="0" i="0" u="none" strike="noStrike" cap="none">
+                <a:solidFill>
+                  <a:schemeClr val="dk2"/>
+                </a:solidFill>
+                <a:latin typeface="Fira Code"/>
+                <a:ea typeface="Fira Code"/>
+                <a:cs typeface="Fira Code"/>
+                <a:sym typeface="Fira Code"/>
+              </a:defRPr>
+            </a:lvl9pPr>
+          </a:lstStyle>
+          <a:p>
+            <a:pPr marL="341342" indent="-265184"/>
+            <a:r>
+              <a:rPr lang="en-US" dirty="0">
+                <a:solidFill>
+                  <a:schemeClr val="accent3"/>
+                </a:solidFill>
+              </a:rPr>
+              <a:t>Used to specify the end of a pattern: \.com$ will match any string that ends with the word .com</a:t>
+            </a:r>
+          </a:p>
+        </p:txBody>
+      </p:sp>
+      <p:sp>
+        <p:nvSpPr>
+          <p:cNvPr id="19" name="Google Shape;784;p37">
+            <a:extLst>
+              <a:ext uri="{FF2B5EF4-FFF2-40B4-BE49-F238E27FC236}">
+                <a16:creationId xmlns:a16="http://schemas.microsoft.com/office/drawing/2014/main" id="{E90289AC-2E24-FF4D-A953-D3C7098B5B67}"/>
+              </a:ext>
+            </a:extLst>
+          </p:cNvPr>
+          <p:cNvSpPr txBox="1">
+            <a:spLocks/>
+          </p:cNvSpPr>
+          <p:nvPr/>
+        </p:nvSpPr>
+        <p:spPr>
+          <a:xfrm flipH="1">
+            <a:off x="1468603" y="3087930"/>
+            <a:ext cx="1215000" cy="462300"/>
+          </a:xfrm>
+          <a:prstGeom prst="rect">
+            <a:avLst/>
+          </a:prstGeom>
+          <a:noFill/>
+          <a:ln>
+            <a:noFill/>
+          </a:ln>
+        </p:spPr>
+        <p:txBody>
+          <a:bodyPr spcFirstLastPara="1" wrap="square" lIns="91425" tIns="91425" rIns="91425" bIns="91425" anchor="ctr" anchorCtr="0">
+            <a:noAutofit/>
+          </a:bodyPr>
+          <a:lstStyle>
+            <a:defPPr marR="0" lvl="0" algn="l" rtl="0">
+              <a:lnSpc>
+                <a:spcPct val="100000"/>
+              </a:lnSpc>
+              <a:spcBef>
+                <a:spcPts val="0"/>
+              </a:spcBef>
+              <a:spcAft>
+                <a:spcPts val="0"/>
+              </a:spcAft>
+            </a:defPPr>
+            <a:lvl1pPr marR="0" lvl="0" algn="l" rtl="0">
+              <a:lnSpc>
+                <a:spcPct val="100000"/>
+              </a:lnSpc>
+              <a:spcBef>
+                <a:spcPts val="0"/>
+              </a:spcBef>
+              <a:spcAft>
+                <a:spcPts val="0"/>
+              </a:spcAft>
+              <a:buClr>
+                <a:schemeClr val="lt1"/>
+              </a:buClr>
+              <a:buSzPts val="2500"/>
+              <a:buFont typeface="Fira Code"/>
+              <a:buNone/>
+              <a:defRPr sz="2000" b="0" i="0" u="none" strike="noStrike" cap="none">
+                <a:solidFill>
+                  <a:schemeClr val="accent2"/>
+                </a:solidFill>
+                <a:latin typeface="Fira Code"/>
+                <a:ea typeface="Fira Code"/>
+                <a:cs typeface="Fira Code"/>
+                <a:sym typeface="Fira Code"/>
+              </a:defRPr>
+            </a:lvl1pPr>
+            <a:lvl2pPr marR="0" lvl="1" algn="r" rtl="0">
+              <a:lnSpc>
+                <a:spcPct val="100000"/>
+              </a:lnSpc>
+              <a:spcBef>
+                <a:spcPts val="0"/>
+              </a:spcBef>
+              <a:spcAft>
+                <a:spcPts val="0"/>
+              </a:spcAft>
+              <a:buClr>
+                <a:schemeClr val="dk1"/>
+              </a:buClr>
+              <a:buSzPts val="2500"/>
+              <a:buFont typeface="Fira Code"/>
+              <a:buNone/>
+              <a:defRPr sz="2500" b="0" i="0" u="none" strike="noStrike" cap="none">
+                <a:solidFill>
+                  <a:schemeClr val="dk1"/>
+                </a:solidFill>
+                <a:latin typeface="Fira Code"/>
+                <a:ea typeface="Fira Code"/>
+                <a:cs typeface="Fira Code"/>
+                <a:sym typeface="Fira Code"/>
+              </a:defRPr>
+            </a:lvl2pPr>
+            <a:lvl3pPr marR="0" lvl="2" algn="r" rtl="0">
+              <a:lnSpc>
+                <a:spcPct val="100000"/>
+              </a:lnSpc>
+              <a:spcBef>
+                <a:spcPts val="0"/>
+              </a:spcBef>
+              <a:spcAft>
+                <a:spcPts val="0"/>
+              </a:spcAft>
+              <a:buClr>
+                <a:schemeClr val="dk1"/>
+              </a:buClr>
+              <a:buSzPts val="2500"/>
+              <a:buFont typeface="Fira Code"/>
+              <a:buNone/>
+              <a:defRPr sz="2500" b="0" i="0" u="none" strike="noStrike" cap="none">
+                <a:solidFill>
+                  <a:schemeClr val="dk1"/>
+                </a:solidFill>
+                <a:latin typeface="Fira Code"/>
+                <a:ea typeface="Fira Code"/>
+                <a:cs typeface="Fira Code"/>
+                <a:sym typeface="Fira Code"/>
+              </a:defRPr>
+            </a:lvl3pPr>
+            <a:lvl4pPr marR="0" lvl="3" algn="r" rtl="0">
+              <a:lnSpc>
+                <a:spcPct val="100000"/>
+              </a:lnSpc>
+              <a:spcBef>
+                <a:spcPts val="0"/>
+              </a:spcBef>
+              <a:spcAft>
+                <a:spcPts val="0"/>
+              </a:spcAft>
+              <a:buClr>
+                <a:schemeClr val="dk1"/>
+              </a:buClr>
+              <a:buSzPts val="2500"/>
+              <a:buFont typeface="Fira Code"/>
+              <a:buNone/>
+              <a:defRPr sz="2500" b="0" i="0" u="none" strike="noStrike" cap="none">
+                <a:solidFill>
+                  <a:schemeClr val="dk1"/>
+                </a:solidFill>
+                <a:latin typeface="Fira Code"/>
+                <a:ea typeface="Fira Code"/>
+                <a:cs typeface="Fira Code"/>
+                <a:sym typeface="Fira Code"/>
+              </a:defRPr>
+            </a:lvl4pPr>
+            <a:lvl5pPr marR="0" lvl="4" algn="r" rtl="0">
+              <a:lnSpc>
+                <a:spcPct val="100000"/>
+              </a:lnSpc>
+              <a:spcBef>
+                <a:spcPts val="0"/>
+              </a:spcBef>
+              <a:spcAft>
+                <a:spcPts val="0"/>
+              </a:spcAft>
+              <a:buClr>
+                <a:schemeClr val="dk1"/>
+              </a:buClr>
+              <a:buSzPts val="2500"/>
+              <a:buFont typeface="Fira Code"/>
+              <a:buNone/>
+              <a:defRPr sz="2500" b="0" i="0" u="none" strike="noStrike" cap="none">
+                <a:solidFill>
+                  <a:schemeClr val="dk1"/>
+                </a:solidFill>
+                <a:latin typeface="Fira Code"/>
+                <a:ea typeface="Fira Code"/>
+                <a:cs typeface="Fira Code"/>
+                <a:sym typeface="Fira Code"/>
+              </a:defRPr>
+            </a:lvl5pPr>
+            <a:lvl6pPr marR="0" lvl="5" algn="r" rtl="0">
+              <a:lnSpc>
+                <a:spcPct val="100000"/>
+              </a:lnSpc>
+              <a:spcBef>
+                <a:spcPts val="0"/>
+              </a:spcBef>
+              <a:spcAft>
+                <a:spcPts val="0"/>
+              </a:spcAft>
+              <a:buClr>
+                <a:schemeClr val="dk1"/>
+              </a:buClr>
+              <a:buSzPts val="2500"/>
+              <a:buFont typeface="Fira Code"/>
+              <a:buNone/>
+              <a:defRPr sz="2500" b="0" i="0" u="none" strike="noStrike" cap="none">
+                <a:solidFill>
+                  <a:schemeClr val="dk1"/>
+                </a:solidFill>
+                <a:latin typeface="Fira Code"/>
+                <a:ea typeface="Fira Code"/>
+                <a:cs typeface="Fira Code"/>
+                <a:sym typeface="Fira Code"/>
+              </a:defRPr>
+            </a:lvl6pPr>
+            <a:lvl7pPr marR="0" lvl="6" algn="r" rtl="0">
+              <a:lnSpc>
+                <a:spcPct val="100000"/>
+              </a:lnSpc>
+              <a:spcBef>
+                <a:spcPts val="0"/>
+              </a:spcBef>
+              <a:spcAft>
+                <a:spcPts val="0"/>
+              </a:spcAft>
+              <a:buClr>
+                <a:schemeClr val="dk1"/>
+              </a:buClr>
+              <a:buSzPts val="2500"/>
+              <a:buFont typeface="Fira Code"/>
+              <a:buNone/>
+              <a:defRPr sz="2500" b="0" i="0" u="none" strike="noStrike" cap="none">
+                <a:solidFill>
+                  <a:schemeClr val="dk1"/>
+                </a:solidFill>
+                <a:latin typeface="Fira Code"/>
+                <a:ea typeface="Fira Code"/>
+                <a:cs typeface="Fira Code"/>
+                <a:sym typeface="Fira Code"/>
+              </a:defRPr>
+            </a:lvl7pPr>
+            <a:lvl8pPr marR="0" lvl="7" algn="r" rtl="0">
+              <a:lnSpc>
+                <a:spcPct val="100000"/>
+              </a:lnSpc>
+              <a:spcBef>
+                <a:spcPts val="0"/>
+              </a:spcBef>
+              <a:spcAft>
+                <a:spcPts val="0"/>
+              </a:spcAft>
+              <a:buClr>
+                <a:schemeClr val="dk1"/>
+              </a:buClr>
+              <a:buSzPts val="2500"/>
+              <a:buFont typeface="Fira Code"/>
+              <a:buNone/>
+              <a:defRPr sz="2500" b="0" i="0" u="none" strike="noStrike" cap="none">
+                <a:solidFill>
+                  <a:schemeClr val="dk1"/>
+                </a:solidFill>
+                <a:latin typeface="Fira Code"/>
+                <a:ea typeface="Fira Code"/>
+                <a:cs typeface="Fira Code"/>
+                <a:sym typeface="Fira Code"/>
+              </a:defRPr>
+            </a:lvl8pPr>
+            <a:lvl9pPr marR="0" lvl="8" algn="r" rtl="0">
+              <a:lnSpc>
+                <a:spcPct val="100000"/>
+              </a:lnSpc>
+              <a:spcBef>
+                <a:spcPts val="0"/>
+              </a:spcBef>
+              <a:spcAft>
+                <a:spcPts val="0"/>
+              </a:spcAft>
+              <a:buClr>
+                <a:schemeClr val="dk1"/>
+              </a:buClr>
+              <a:buSzPts val="2500"/>
+              <a:buFont typeface="Fira Code"/>
+              <a:buNone/>
+              <a:defRPr sz="2500" b="0" i="0" u="none" strike="noStrike" cap="none">
+                <a:solidFill>
+                  <a:schemeClr val="dk1"/>
+                </a:solidFill>
+                <a:latin typeface="Fira Code"/>
+                <a:ea typeface="Fira Code"/>
+                <a:cs typeface="Fira Code"/>
+                <a:sym typeface="Fira Code"/>
+              </a:defRPr>
+            </a:lvl9pPr>
+          </a:lstStyle>
+          <a:p>
+            <a:r>
+              <a:rPr lang="en" dirty="0"/>
+              <a:t>$</a:t>
+            </a:r>
+          </a:p>
+        </p:txBody>
+      </p:sp>
+      <p:sp>
+        <p:nvSpPr>
+          <p:cNvPr id="3" name="Subtitle 2">
+            <a:extLst>
+              <a:ext uri="{FF2B5EF4-FFF2-40B4-BE49-F238E27FC236}">
+                <a16:creationId xmlns:a16="http://schemas.microsoft.com/office/drawing/2014/main" id="{B5E1DAE4-965F-0742-BBB7-6AEB7A75AE20}"/>
+              </a:ext>
+            </a:extLst>
+          </p:cNvPr>
+          <p:cNvSpPr>
+            <a:spLocks noGrp="1"/>
+          </p:cNvSpPr>
+          <p:nvPr>
+            <p:ph type="subTitle" idx="5"/>
+          </p:nvPr>
+        </p:nvSpPr>
+        <p:spPr/>
+        <p:txBody>
+          <a:bodyPr/>
+          <a:lstStyle/>
+          <a:p>
+            <a:endParaRPr lang="en-SA"/>
+          </a:p>
+        </p:txBody>
+      </p:sp>
+      <p:sp>
+        <p:nvSpPr>
+          <p:cNvPr id="5" name="Subtitle 4">
+            <a:extLst>
+              <a:ext uri="{FF2B5EF4-FFF2-40B4-BE49-F238E27FC236}">
+                <a16:creationId xmlns:a16="http://schemas.microsoft.com/office/drawing/2014/main" id="{1E27FC34-01D1-DA47-93E8-127CA629DD02}"/>
+              </a:ext>
+            </a:extLst>
+          </p:cNvPr>
+          <p:cNvSpPr>
+            <a:spLocks noGrp="1"/>
+          </p:cNvSpPr>
+          <p:nvPr>
+            <p:ph type="subTitle" idx="5"/>
+          </p:nvPr>
+        </p:nvSpPr>
+        <p:spPr/>
+        <p:txBody>
+          <a:bodyPr/>
+          <a:lstStyle/>
+          <a:p>
+            <a:endParaRPr lang="en-SA"/>
+          </a:p>
+        </p:txBody>
+      </p:sp>
+      <p:sp>
+        <p:nvSpPr>
+          <p:cNvPr id="7" name="Subtitle 6">
+            <a:extLst>
+              <a:ext uri="{FF2B5EF4-FFF2-40B4-BE49-F238E27FC236}">
+                <a16:creationId xmlns:a16="http://schemas.microsoft.com/office/drawing/2014/main" id="{DE95E003-60C8-6B48-A9EF-515669402E93}"/>
+              </a:ext>
+            </a:extLst>
+          </p:cNvPr>
+          <p:cNvSpPr>
+            <a:spLocks noGrp="1"/>
+          </p:cNvSpPr>
+          <p:nvPr>
+            <p:ph type="subTitle" idx="5"/>
+          </p:nvPr>
+        </p:nvSpPr>
+        <p:spPr/>
+        <p:txBody>
+          <a:bodyPr/>
+          <a:lstStyle/>
+          <a:p>
+            <a:endParaRPr lang="en-SA"/>
+          </a:p>
+        </p:txBody>
+      </p:sp>
+    </p:spTree>
+    <p:extLst>
+      <p:ext uri="{BB962C8B-B14F-4D97-AF65-F5344CB8AC3E}">
+        <p14:creationId xmlns:p14="http://schemas.microsoft.com/office/powerpoint/2010/main" val="1392385745"/>
+      </p:ext>
+    </p:extLst>
+  </p:cSld>
+  <p:clrMapOvr>
+    <a:masterClrMapping/>
+  </p:clrMapOvr>
+</p:sld>
+</file>
+
+<file path=ppt/slides/slide7.xml><?xml version="1.0" encoding="utf-8"?>
+<p:sld xmlns:a="http://schemas.openxmlformats.org/drawingml/2006/main" xmlns:r="http://schemas.openxmlformats.org/officeDocument/2006/relationships" xmlns:p="http://schemas.openxmlformats.org/presentationml/2006/main">
+  <p:cSld>
+    <p:spTree>
+      <p:nvGrpSpPr>
+        <p:cNvPr id="1" name="Shape 781"/>
+        <p:cNvGrpSpPr/>
+        <p:nvPr/>
+      </p:nvGrpSpPr>
+      <p:grpSpPr>
+        <a:xfrm>
+          <a:off x="0" y="0"/>
+          <a:ext cx="0" cy="0"/>
+          <a:chOff x="0" y="0"/>
+          <a:chExt cx="0" cy="0"/>
+        </a:xfrm>
+      </p:grpSpPr>
+      <p:sp>
+        <p:nvSpPr>
+          <p:cNvPr id="782" name="Google Shape;782;p37"/>
+          <p:cNvSpPr txBox="1">
+            <a:spLocks noGrp="1"/>
+          </p:cNvSpPr>
+          <p:nvPr>
+            <p:ph type="body" idx="1"/>
+          </p:nvPr>
+        </p:nvSpPr>
+        <p:spPr>
+          <a:xfrm>
+            <a:off x="2096115" y="1381136"/>
+            <a:ext cx="6080723" cy="751800"/>
+          </a:xfrm>
+          <a:prstGeom prst="rect">
+            <a:avLst/>
+          </a:prstGeom>
+        </p:spPr>
+        <p:txBody>
+          <a:bodyPr spcFirstLastPara="1" wrap="square" lIns="91425" tIns="91425" rIns="91425" bIns="91425" anchor="ctr" anchorCtr="0">
+            <a:noAutofit/>
+          </a:bodyPr>
+          <a:lstStyle/>
+          <a:p>
+            <a:pPr marL="341342" lvl="0" indent="-265184"/>
+            <a:r>
+              <a:rPr lang="en-US" dirty="0">
+                <a:solidFill>
+                  <a:schemeClr val="accent3"/>
+                </a:solidFill>
+              </a:rPr>
+              <a:t>Used to specify an exact number of occurrences: a{3} will match only if a is repeated 3 times</a:t>
+            </a:r>
+            <a:endParaRPr dirty="0">
+              <a:solidFill>
+                <a:schemeClr val="accent3"/>
+              </a:solidFill>
+            </a:endParaRPr>
+          </a:p>
+        </p:txBody>
+      </p:sp>
+      <p:sp>
+        <p:nvSpPr>
+          <p:cNvPr id="783" name="Google Shape;783;p37"/>
+          <p:cNvSpPr txBox="1">
+            <a:spLocks noGrp="1"/>
+          </p:cNvSpPr>
+          <p:nvPr>
+            <p:ph type="title"/>
+          </p:nvPr>
+        </p:nvSpPr>
+        <p:spPr>
+          <a:xfrm>
+            <a:off x="1143250" y="582700"/>
+            <a:ext cx="7290600" cy="541200"/>
+          </a:xfrm>
+          <a:prstGeom prst="rect">
+            <a:avLst/>
+          </a:prstGeom>
+        </p:spPr>
+        <p:txBody>
+          <a:bodyPr spcFirstLastPara="1" wrap="square" lIns="91425" tIns="91425" rIns="91425" bIns="91425" anchor="t" anchorCtr="0">
+            <a:noAutofit/>
+          </a:bodyPr>
+          <a:lstStyle/>
+          <a:p>
+            <a:pPr marL="0" lvl="0" indent="0" algn="l" rtl="0">
+              <a:spcBef>
+                <a:spcPts val="0"/>
+              </a:spcBef>
+              <a:spcAft>
+                <a:spcPts val="0"/>
+              </a:spcAft>
+              <a:buNone/>
+            </a:pPr>
+            <a:r>
+              <a:rPr lang="en" dirty="0"/>
+              <a:t>Meta Characters: Quantifiers</a:t>
+            </a:r>
+            <a:r>
+              <a:rPr lang="en" dirty="0">
+                <a:solidFill>
+                  <a:schemeClr val="accent6"/>
+                </a:solidFill>
+              </a:rPr>
+              <a:t>{</a:t>
+            </a:r>
+            <a:endParaRPr dirty="0">
+              <a:solidFill>
+                <a:schemeClr val="accent6"/>
+              </a:solidFill>
+            </a:endParaRPr>
+          </a:p>
+        </p:txBody>
+      </p:sp>
+      <p:sp>
+        <p:nvSpPr>
+          <p:cNvPr id="784" name="Google Shape;784;p37"/>
+          <p:cNvSpPr txBox="1">
+            <a:spLocks noGrp="1"/>
+          </p:cNvSpPr>
+          <p:nvPr>
+            <p:ph type="title" idx="2"/>
+          </p:nvPr>
+        </p:nvSpPr>
+        <p:spPr>
+          <a:xfrm flipH="1">
+            <a:off x="1407015" y="1481559"/>
+            <a:ext cx="1215000" cy="462300"/>
+          </a:xfrm>
+          <a:prstGeom prst="rect">
+            <a:avLst/>
+          </a:prstGeom>
+        </p:spPr>
+        <p:txBody>
+          <a:bodyPr spcFirstLastPara="1" wrap="square" lIns="91425" tIns="91425" rIns="91425" bIns="91425" anchor="ctr" anchorCtr="0">
+            <a:noAutofit/>
+          </a:bodyPr>
+          <a:lstStyle/>
+          <a:p>
+            <a:pPr marL="0" lvl="0" indent="0" algn="l" rtl="0">
+              <a:spcBef>
+                <a:spcPts val="0"/>
+              </a:spcBef>
+              <a:spcAft>
+                <a:spcPts val="0"/>
+              </a:spcAft>
+              <a:buNone/>
+            </a:pPr>
+            <a:r>
+              <a:rPr lang="en" dirty="0"/>
+              <a:t>{ }</a:t>
+            </a:r>
+            <a:endParaRPr dirty="0"/>
+          </a:p>
+        </p:txBody>
+      </p:sp>
+      <p:grpSp>
+        <p:nvGrpSpPr>
+          <p:cNvPr id="791" name="Google Shape;791;p37"/>
+          <p:cNvGrpSpPr/>
+          <p:nvPr/>
+        </p:nvGrpSpPr>
+        <p:grpSpPr>
+          <a:xfrm>
+            <a:off x="1084825" y="1152525"/>
+            <a:ext cx="506100" cy="3417500"/>
+            <a:chOff x="1084825" y="1152525"/>
+            <a:chExt cx="506100" cy="3417500"/>
+          </a:xfrm>
+        </p:grpSpPr>
+        <p:sp>
+          <p:nvSpPr>
+            <p:cNvPr id="792" name="Google Shape;792;p37"/>
+            <p:cNvSpPr txBox="1"/>
+            <p:nvPr/>
+          </p:nvSpPr>
+          <p:spPr>
+            <a:xfrm>
+              <a:off x="1084825" y="3954425"/>
+              <a:ext cx="506100" cy="615600"/>
+            </a:xfrm>
+            <a:prstGeom prst="rect">
+              <a:avLst/>
+            </a:prstGeom>
+            <a:noFill/>
+            <a:ln>
+              <a:noFill/>
+            </a:ln>
+          </p:spPr>
+          <p:txBody>
+            <a:bodyPr spcFirstLastPara="1" wrap="square" lIns="91425" tIns="91425" rIns="91425" bIns="91425" anchor="t" anchorCtr="0">
+              <a:spAutoFit/>
+            </a:bodyPr>
+            <a:lstStyle/>
+            <a:p>
+              <a:pPr marL="0" lvl="0" indent="0" algn="ctr" rtl="0">
+                <a:spcBef>
+                  <a:spcPts val="0"/>
+                </a:spcBef>
+                <a:spcAft>
+                  <a:spcPts val="0"/>
+                </a:spcAft>
+                <a:buNone/>
+              </a:pPr>
+              <a:r>
+                <a:rPr lang="en" sz="2800">
+                  <a:solidFill>
+                    <a:schemeClr val="accent6"/>
+                  </a:solidFill>
+                  <a:latin typeface="Fira Code"/>
+                  <a:ea typeface="Fira Code"/>
+                  <a:cs typeface="Fira Code"/>
+                  <a:sym typeface="Fira Code"/>
+                </a:rPr>
+                <a:t>}</a:t>
+              </a:r>
+              <a:endParaRPr sz="2800">
+                <a:solidFill>
+                  <a:schemeClr val="accent6"/>
+                </a:solidFill>
+                <a:latin typeface="Fira Code"/>
+                <a:ea typeface="Fira Code"/>
+                <a:cs typeface="Fira Code"/>
+                <a:sym typeface="Fira Code"/>
+              </a:endParaRPr>
+            </a:p>
+          </p:txBody>
+        </p:sp>
+        <p:cxnSp>
+          <p:nvCxnSpPr>
+            <p:cNvPr id="793" name="Google Shape;793;p37"/>
+            <p:cNvCxnSpPr/>
+            <p:nvPr/>
+          </p:nvCxnSpPr>
+          <p:spPr>
+            <a:xfrm>
+              <a:off x="1337875" y="1152525"/>
+              <a:ext cx="0" cy="2781000"/>
+            </a:xfrm>
+            <a:prstGeom prst="straightConnector1">
+              <a:avLst/>
+            </a:prstGeom>
+            <a:noFill/>
+            <a:ln w="9525" cap="flat" cmpd="sng">
+              <a:solidFill>
+                <a:schemeClr val="accent4"/>
+              </a:solidFill>
+              <a:prstDash val="solid"/>
+              <a:round/>
+              <a:headEnd type="none" w="med" len="med"/>
+              <a:tailEnd type="none" w="med" len="med"/>
+            </a:ln>
+          </p:spPr>
+        </p:cxnSp>
+      </p:grpSp>
+      <p:sp>
+        <p:nvSpPr>
+          <p:cNvPr id="18" name="Google Shape;782;p37">
+            <a:extLst>
+              <a:ext uri="{FF2B5EF4-FFF2-40B4-BE49-F238E27FC236}">
+                <a16:creationId xmlns:a16="http://schemas.microsoft.com/office/drawing/2014/main" id="{EDD49C9A-C71E-EC4D-9515-932EE25FD4AD}"/>
+              </a:ext>
+            </a:extLst>
+          </p:cNvPr>
+          <p:cNvSpPr txBox="1">
+            <a:spLocks/>
+          </p:cNvSpPr>
+          <p:nvPr/>
+        </p:nvSpPr>
+        <p:spPr>
+          <a:xfrm>
             <a:off x="2096115" y="2170741"/>
             <a:ext cx="6998244" cy="751800"/>
           </a:xfrm>
@@ -20088,6 +22217,583 @@
           </a:p>
         </p:txBody>
       </p:sp>
+      <p:sp>
+        <p:nvSpPr>
+          <p:cNvPr id="17" name="Google Shape;784;p37">
+            <a:extLst>
+              <a:ext uri="{FF2B5EF4-FFF2-40B4-BE49-F238E27FC236}">
+                <a16:creationId xmlns:a16="http://schemas.microsoft.com/office/drawing/2014/main" id="{C7B3E918-2305-F44A-AB23-E3BC7086F311}"/>
+              </a:ext>
+            </a:extLst>
+          </p:cNvPr>
+          <p:cNvSpPr txBox="1">
+            <a:spLocks/>
+          </p:cNvSpPr>
+          <p:nvPr/>
+        </p:nvSpPr>
+        <p:spPr>
+          <a:xfrm flipH="1">
+            <a:off x="1486656" y="3535974"/>
+            <a:ext cx="1215000" cy="462300"/>
+          </a:xfrm>
+          <a:prstGeom prst="rect">
+            <a:avLst/>
+          </a:prstGeom>
+          <a:noFill/>
+          <a:ln>
+            <a:noFill/>
+          </a:ln>
+        </p:spPr>
+        <p:txBody>
+          <a:bodyPr spcFirstLastPara="1" wrap="square" lIns="91425" tIns="91425" rIns="91425" bIns="91425" anchor="ctr" anchorCtr="0">
+            <a:noAutofit/>
+          </a:bodyPr>
+          <a:lstStyle>
+            <a:defPPr marR="0" lvl="0" algn="l" rtl="0">
+              <a:lnSpc>
+                <a:spcPct val="100000"/>
+              </a:lnSpc>
+              <a:spcBef>
+                <a:spcPts val="0"/>
+              </a:spcBef>
+              <a:spcAft>
+                <a:spcPts val="0"/>
+              </a:spcAft>
+            </a:defPPr>
+            <a:lvl1pPr marR="0" lvl="0" algn="l" rtl="0">
+              <a:lnSpc>
+                <a:spcPct val="100000"/>
+              </a:lnSpc>
+              <a:spcBef>
+                <a:spcPts val="0"/>
+              </a:spcBef>
+              <a:spcAft>
+                <a:spcPts val="0"/>
+              </a:spcAft>
+              <a:buClr>
+                <a:schemeClr val="lt1"/>
+              </a:buClr>
+              <a:buSzPts val="2500"/>
+              <a:buFont typeface="Fira Code"/>
+              <a:buNone/>
+              <a:defRPr sz="2000" b="0" i="0" u="none" strike="noStrike" cap="none">
+                <a:solidFill>
+                  <a:schemeClr val="accent2"/>
+                </a:solidFill>
+                <a:latin typeface="Fira Code"/>
+                <a:ea typeface="Fira Code"/>
+                <a:cs typeface="Fira Code"/>
+                <a:sym typeface="Fira Code"/>
+              </a:defRPr>
+            </a:lvl1pPr>
+            <a:lvl2pPr marR="0" lvl="1" algn="r" rtl="0">
+              <a:lnSpc>
+                <a:spcPct val="100000"/>
+              </a:lnSpc>
+              <a:spcBef>
+                <a:spcPts val="0"/>
+              </a:spcBef>
+              <a:spcAft>
+                <a:spcPts val="0"/>
+              </a:spcAft>
+              <a:buClr>
+                <a:schemeClr val="dk1"/>
+              </a:buClr>
+              <a:buSzPts val="2500"/>
+              <a:buFont typeface="Fira Code"/>
+              <a:buNone/>
+              <a:defRPr sz="2500" b="0" i="0" u="none" strike="noStrike" cap="none">
+                <a:solidFill>
+                  <a:schemeClr val="dk1"/>
+                </a:solidFill>
+                <a:latin typeface="Fira Code"/>
+                <a:ea typeface="Fira Code"/>
+                <a:cs typeface="Fira Code"/>
+                <a:sym typeface="Fira Code"/>
+              </a:defRPr>
+            </a:lvl2pPr>
+            <a:lvl3pPr marR="0" lvl="2" algn="r" rtl="0">
+              <a:lnSpc>
+                <a:spcPct val="100000"/>
+              </a:lnSpc>
+              <a:spcBef>
+                <a:spcPts val="0"/>
+              </a:spcBef>
+              <a:spcAft>
+                <a:spcPts val="0"/>
+              </a:spcAft>
+              <a:buClr>
+                <a:schemeClr val="dk1"/>
+              </a:buClr>
+              <a:buSzPts val="2500"/>
+              <a:buFont typeface="Fira Code"/>
+              <a:buNone/>
+              <a:defRPr sz="2500" b="0" i="0" u="none" strike="noStrike" cap="none">
+                <a:solidFill>
+                  <a:schemeClr val="dk1"/>
+                </a:solidFill>
+                <a:latin typeface="Fira Code"/>
+                <a:ea typeface="Fira Code"/>
+                <a:cs typeface="Fira Code"/>
+                <a:sym typeface="Fira Code"/>
+              </a:defRPr>
+            </a:lvl3pPr>
+            <a:lvl4pPr marR="0" lvl="3" algn="r" rtl="0">
+              <a:lnSpc>
+                <a:spcPct val="100000"/>
+              </a:lnSpc>
+              <a:spcBef>
+                <a:spcPts val="0"/>
+              </a:spcBef>
+              <a:spcAft>
+                <a:spcPts val="0"/>
+              </a:spcAft>
+              <a:buClr>
+                <a:schemeClr val="dk1"/>
+              </a:buClr>
+              <a:buSzPts val="2500"/>
+              <a:buFont typeface="Fira Code"/>
+              <a:buNone/>
+              <a:defRPr sz="2500" b="0" i="0" u="none" strike="noStrike" cap="none">
+                <a:solidFill>
+                  <a:schemeClr val="dk1"/>
+                </a:solidFill>
+                <a:latin typeface="Fira Code"/>
+                <a:ea typeface="Fira Code"/>
+                <a:cs typeface="Fira Code"/>
+                <a:sym typeface="Fira Code"/>
+              </a:defRPr>
+            </a:lvl4pPr>
+            <a:lvl5pPr marR="0" lvl="4" algn="r" rtl="0">
+              <a:lnSpc>
+                <a:spcPct val="100000"/>
+              </a:lnSpc>
+              <a:spcBef>
+                <a:spcPts val="0"/>
+              </a:spcBef>
+              <a:spcAft>
+                <a:spcPts val="0"/>
+              </a:spcAft>
+              <a:buClr>
+                <a:schemeClr val="dk1"/>
+              </a:buClr>
+              <a:buSzPts val="2500"/>
+              <a:buFont typeface="Fira Code"/>
+              <a:buNone/>
+              <a:defRPr sz="2500" b="0" i="0" u="none" strike="noStrike" cap="none">
+                <a:solidFill>
+                  <a:schemeClr val="dk1"/>
+                </a:solidFill>
+                <a:latin typeface="Fira Code"/>
+                <a:ea typeface="Fira Code"/>
+                <a:cs typeface="Fira Code"/>
+                <a:sym typeface="Fira Code"/>
+              </a:defRPr>
+            </a:lvl5pPr>
+            <a:lvl6pPr marR="0" lvl="5" algn="r" rtl="0">
+              <a:lnSpc>
+                <a:spcPct val="100000"/>
+              </a:lnSpc>
+              <a:spcBef>
+                <a:spcPts val="0"/>
+              </a:spcBef>
+              <a:spcAft>
+                <a:spcPts val="0"/>
+              </a:spcAft>
+              <a:buClr>
+                <a:schemeClr val="dk1"/>
+              </a:buClr>
+              <a:buSzPts val="2500"/>
+              <a:buFont typeface="Fira Code"/>
+              <a:buNone/>
+              <a:defRPr sz="2500" b="0" i="0" u="none" strike="noStrike" cap="none">
+                <a:solidFill>
+                  <a:schemeClr val="dk1"/>
+                </a:solidFill>
+                <a:latin typeface="Fira Code"/>
+                <a:ea typeface="Fira Code"/>
+                <a:cs typeface="Fira Code"/>
+                <a:sym typeface="Fira Code"/>
+              </a:defRPr>
+            </a:lvl6pPr>
+            <a:lvl7pPr marR="0" lvl="6" algn="r" rtl="0">
+              <a:lnSpc>
+                <a:spcPct val="100000"/>
+              </a:lnSpc>
+              <a:spcBef>
+                <a:spcPts val="0"/>
+              </a:spcBef>
+              <a:spcAft>
+                <a:spcPts val="0"/>
+              </a:spcAft>
+              <a:buClr>
+                <a:schemeClr val="dk1"/>
+              </a:buClr>
+              <a:buSzPts val="2500"/>
+              <a:buFont typeface="Fira Code"/>
+              <a:buNone/>
+              <a:defRPr sz="2500" b="0" i="0" u="none" strike="noStrike" cap="none">
+                <a:solidFill>
+                  <a:schemeClr val="dk1"/>
+                </a:solidFill>
+                <a:latin typeface="Fira Code"/>
+                <a:ea typeface="Fira Code"/>
+                <a:cs typeface="Fira Code"/>
+                <a:sym typeface="Fira Code"/>
+              </a:defRPr>
+            </a:lvl7pPr>
+            <a:lvl8pPr marR="0" lvl="7" algn="r" rtl="0">
+              <a:lnSpc>
+                <a:spcPct val="100000"/>
+              </a:lnSpc>
+              <a:spcBef>
+                <a:spcPts val="0"/>
+              </a:spcBef>
+              <a:spcAft>
+                <a:spcPts val="0"/>
+              </a:spcAft>
+              <a:buClr>
+                <a:schemeClr val="dk1"/>
+              </a:buClr>
+              <a:buSzPts val="2500"/>
+              <a:buFont typeface="Fira Code"/>
+              <a:buNone/>
+              <a:defRPr sz="2500" b="0" i="0" u="none" strike="noStrike" cap="none">
+                <a:solidFill>
+                  <a:schemeClr val="dk1"/>
+                </a:solidFill>
+                <a:latin typeface="Fira Code"/>
+                <a:ea typeface="Fira Code"/>
+                <a:cs typeface="Fira Code"/>
+                <a:sym typeface="Fira Code"/>
+              </a:defRPr>
+            </a:lvl8pPr>
+            <a:lvl9pPr marR="0" lvl="8" algn="r" rtl="0">
+              <a:lnSpc>
+                <a:spcPct val="100000"/>
+              </a:lnSpc>
+              <a:spcBef>
+                <a:spcPts val="0"/>
+              </a:spcBef>
+              <a:spcAft>
+                <a:spcPts val="0"/>
+              </a:spcAft>
+              <a:buClr>
+                <a:schemeClr val="dk1"/>
+              </a:buClr>
+              <a:buSzPts val="2500"/>
+              <a:buFont typeface="Fira Code"/>
+              <a:buNone/>
+              <a:defRPr sz="2500" b="0" i="0" u="none" strike="noStrike" cap="none">
+                <a:solidFill>
+                  <a:schemeClr val="dk1"/>
+                </a:solidFill>
+                <a:latin typeface="Fira Code"/>
+                <a:ea typeface="Fira Code"/>
+                <a:cs typeface="Fira Code"/>
+                <a:sym typeface="Fira Code"/>
+              </a:defRPr>
+            </a:lvl9pPr>
+          </a:lstStyle>
+          <a:p>
+            <a:r>
+              <a:rPr lang="en" dirty="0"/>
+              <a:t>?</a:t>
+            </a:r>
+          </a:p>
+        </p:txBody>
+      </p:sp>
+      <p:sp>
+        <p:nvSpPr>
+          <p:cNvPr id="21" name="Google Shape;782;p37">
+            <a:extLst>
+              <a:ext uri="{FF2B5EF4-FFF2-40B4-BE49-F238E27FC236}">
+                <a16:creationId xmlns:a16="http://schemas.microsoft.com/office/drawing/2014/main" id="{F2AB14EF-9D69-5F47-9966-CBF7821FA465}"/>
+              </a:ext>
+            </a:extLst>
+          </p:cNvPr>
+          <p:cNvSpPr txBox="1">
+            <a:spLocks/>
+          </p:cNvSpPr>
+          <p:nvPr/>
+        </p:nvSpPr>
+        <p:spPr>
+          <a:xfrm>
+            <a:off x="2096115" y="3436719"/>
+            <a:ext cx="6998244" cy="751800"/>
+          </a:xfrm>
+          <a:prstGeom prst="rect">
+            <a:avLst/>
+          </a:prstGeom>
+          <a:noFill/>
+          <a:ln>
+            <a:noFill/>
+          </a:ln>
+        </p:spPr>
+        <p:txBody>
+          <a:bodyPr spcFirstLastPara="1" wrap="square" lIns="91425" tIns="91425" rIns="91425" bIns="91425" anchor="ctr" anchorCtr="0">
+            <a:noAutofit/>
+          </a:bodyPr>
+          <a:lstStyle>
+            <a:defPPr marR="0" lvl="0" algn="l" rtl="0">
+              <a:lnSpc>
+                <a:spcPct val="100000"/>
+              </a:lnSpc>
+              <a:spcBef>
+                <a:spcPts val="0"/>
+              </a:spcBef>
+              <a:spcAft>
+                <a:spcPts val="0"/>
+              </a:spcAft>
+            </a:defPPr>
+            <a:lvl1pPr marL="457200" marR="0" lvl="0" indent="-304800" algn="l" rtl="0">
+              <a:lnSpc>
+                <a:spcPct val="100000"/>
+              </a:lnSpc>
+              <a:spcBef>
+                <a:spcPts val="0"/>
+              </a:spcBef>
+              <a:spcAft>
+                <a:spcPts val="0"/>
+              </a:spcAft>
+              <a:buClr>
+                <a:schemeClr val="accent1"/>
+              </a:buClr>
+              <a:buSzPts val="1200"/>
+              <a:buFont typeface="Fira Code"/>
+              <a:buChar char="∗"/>
+              <a:defRPr sz="1400" b="0" i="0" u="none" strike="noStrike" cap="none">
+                <a:solidFill>
+                  <a:schemeClr val="dk2"/>
+                </a:solidFill>
+                <a:latin typeface="Fira Code"/>
+                <a:ea typeface="Fira Code"/>
+                <a:cs typeface="Fira Code"/>
+                <a:sym typeface="Fira Code"/>
+              </a:defRPr>
+            </a:lvl1pPr>
+            <a:lvl2pPr marL="914400" marR="0" lvl="1" indent="-317500" algn="l" rtl="0">
+              <a:lnSpc>
+                <a:spcPct val="100000"/>
+              </a:lnSpc>
+              <a:spcBef>
+                <a:spcPts val="0"/>
+              </a:spcBef>
+              <a:spcAft>
+                <a:spcPts val="0"/>
+              </a:spcAft>
+              <a:buClr>
+                <a:schemeClr val="lt2"/>
+              </a:buClr>
+              <a:buSzPts val="1400"/>
+              <a:buFont typeface="Montserrat"/>
+              <a:buChar char="○"/>
+              <a:defRPr sz="1400" b="0" i="0" u="none" strike="noStrike" cap="none">
+                <a:solidFill>
+                  <a:schemeClr val="dk2"/>
+                </a:solidFill>
+                <a:latin typeface="Fira Code"/>
+                <a:ea typeface="Fira Code"/>
+                <a:cs typeface="Fira Code"/>
+                <a:sym typeface="Fira Code"/>
+              </a:defRPr>
+            </a:lvl2pPr>
+            <a:lvl3pPr marL="1371600" marR="0" lvl="2" indent="-317500" algn="l" rtl="0">
+              <a:lnSpc>
+                <a:spcPct val="100000"/>
+              </a:lnSpc>
+              <a:spcBef>
+                <a:spcPts val="0"/>
+              </a:spcBef>
+              <a:spcAft>
+                <a:spcPts val="0"/>
+              </a:spcAft>
+              <a:buClr>
+                <a:schemeClr val="lt2"/>
+              </a:buClr>
+              <a:buSzPts val="1400"/>
+              <a:buFont typeface="Montserrat"/>
+              <a:buChar char="■"/>
+              <a:defRPr sz="1400" b="0" i="0" u="none" strike="noStrike" cap="none">
+                <a:solidFill>
+                  <a:schemeClr val="dk2"/>
+                </a:solidFill>
+                <a:latin typeface="Fira Code"/>
+                <a:ea typeface="Fira Code"/>
+                <a:cs typeface="Fira Code"/>
+                <a:sym typeface="Fira Code"/>
+              </a:defRPr>
+            </a:lvl3pPr>
+            <a:lvl4pPr marL="1828800" marR="0" lvl="3" indent="-317500" algn="l" rtl="0">
+              <a:lnSpc>
+                <a:spcPct val="100000"/>
+              </a:lnSpc>
+              <a:spcBef>
+                <a:spcPts val="0"/>
+              </a:spcBef>
+              <a:spcAft>
+                <a:spcPts val="0"/>
+              </a:spcAft>
+              <a:buClr>
+                <a:schemeClr val="lt2"/>
+              </a:buClr>
+              <a:buSzPts val="1400"/>
+              <a:buFont typeface="Montserrat"/>
+              <a:buChar char="●"/>
+              <a:defRPr sz="1400" b="0" i="0" u="none" strike="noStrike" cap="none">
+                <a:solidFill>
+                  <a:schemeClr val="dk2"/>
+                </a:solidFill>
+                <a:latin typeface="Fira Code"/>
+                <a:ea typeface="Fira Code"/>
+                <a:cs typeface="Fira Code"/>
+                <a:sym typeface="Fira Code"/>
+              </a:defRPr>
+            </a:lvl4pPr>
+            <a:lvl5pPr marL="2286000" marR="0" lvl="4" indent="-317500" algn="l" rtl="0">
+              <a:lnSpc>
+                <a:spcPct val="100000"/>
+              </a:lnSpc>
+              <a:spcBef>
+                <a:spcPts val="0"/>
+              </a:spcBef>
+              <a:spcAft>
+                <a:spcPts val="0"/>
+              </a:spcAft>
+              <a:buClr>
+                <a:schemeClr val="lt2"/>
+              </a:buClr>
+              <a:buSzPts val="1400"/>
+              <a:buFont typeface="Montserrat"/>
+              <a:buChar char="○"/>
+              <a:defRPr sz="1400" b="0" i="0" u="none" strike="noStrike" cap="none">
+                <a:solidFill>
+                  <a:schemeClr val="dk2"/>
+                </a:solidFill>
+                <a:latin typeface="Fira Code"/>
+                <a:ea typeface="Fira Code"/>
+                <a:cs typeface="Fira Code"/>
+                <a:sym typeface="Fira Code"/>
+              </a:defRPr>
+            </a:lvl5pPr>
+            <a:lvl6pPr marL="2743200" marR="0" lvl="5" indent="-317500" algn="l" rtl="0">
+              <a:lnSpc>
+                <a:spcPct val="100000"/>
+              </a:lnSpc>
+              <a:spcBef>
+                <a:spcPts val="0"/>
+              </a:spcBef>
+              <a:spcAft>
+                <a:spcPts val="0"/>
+              </a:spcAft>
+              <a:buClr>
+                <a:schemeClr val="lt2"/>
+              </a:buClr>
+              <a:buSzPts val="1400"/>
+              <a:buFont typeface="Montserrat"/>
+              <a:buChar char="■"/>
+              <a:defRPr sz="1400" b="0" i="0" u="none" strike="noStrike" cap="none">
+                <a:solidFill>
+                  <a:schemeClr val="dk2"/>
+                </a:solidFill>
+                <a:latin typeface="Fira Code"/>
+                <a:ea typeface="Fira Code"/>
+                <a:cs typeface="Fira Code"/>
+                <a:sym typeface="Fira Code"/>
+              </a:defRPr>
+            </a:lvl6pPr>
+            <a:lvl7pPr marL="3200400" marR="0" lvl="6" indent="-317500" algn="l" rtl="0">
+              <a:lnSpc>
+                <a:spcPct val="100000"/>
+              </a:lnSpc>
+              <a:spcBef>
+                <a:spcPts val="0"/>
+              </a:spcBef>
+              <a:spcAft>
+                <a:spcPts val="0"/>
+              </a:spcAft>
+              <a:buClr>
+                <a:schemeClr val="lt2"/>
+              </a:buClr>
+              <a:buSzPts val="1400"/>
+              <a:buFont typeface="Montserrat"/>
+              <a:buChar char="●"/>
+              <a:defRPr sz="1400" b="0" i="0" u="none" strike="noStrike" cap="none">
+                <a:solidFill>
+                  <a:schemeClr val="dk2"/>
+                </a:solidFill>
+                <a:latin typeface="Fira Code"/>
+                <a:ea typeface="Fira Code"/>
+                <a:cs typeface="Fira Code"/>
+                <a:sym typeface="Fira Code"/>
+              </a:defRPr>
+            </a:lvl7pPr>
+            <a:lvl8pPr marL="3657600" marR="0" lvl="7" indent="-317500" algn="l" rtl="0">
+              <a:lnSpc>
+                <a:spcPct val="100000"/>
+              </a:lnSpc>
+              <a:spcBef>
+                <a:spcPts val="0"/>
+              </a:spcBef>
+              <a:spcAft>
+                <a:spcPts val="0"/>
+              </a:spcAft>
+              <a:buClr>
+                <a:schemeClr val="lt2"/>
+              </a:buClr>
+              <a:buSzPts val="1400"/>
+              <a:buFont typeface="Montserrat"/>
+              <a:buChar char="○"/>
+              <a:defRPr sz="1400" b="0" i="0" u="none" strike="noStrike" cap="none">
+                <a:solidFill>
+                  <a:schemeClr val="dk2"/>
+                </a:solidFill>
+                <a:latin typeface="Fira Code"/>
+                <a:ea typeface="Fira Code"/>
+                <a:cs typeface="Fira Code"/>
+                <a:sym typeface="Fira Code"/>
+              </a:defRPr>
+            </a:lvl8pPr>
+            <a:lvl9pPr marL="4114800" marR="0" lvl="8" indent="-317500" algn="l" rtl="0">
+              <a:lnSpc>
+                <a:spcPct val="100000"/>
+              </a:lnSpc>
+              <a:spcBef>
+                <a:spcPts val="0"/>
+              </a:spcBef>
+              <a:spcAft>
+                <a:spcPts val="0"/>
+              </a:spcAft>
+              <a:buClr>
+                <a:schemeClr val="lt2"/>
+              </a:buClr>
+              <a:buSzPts val="1400"/>
+              <a:buFont typeface="Montserrat"/>
+              <a:buChar char="■"/>
+              <a:defRPr sz="1400" b="0" i="0" u="none" strike="noStrike" cap="none">
+                <a:solidFill>
+                  <a:schemeClr val="dk2"/>
+                </a:solidFill>
+                <a:latin typeface="Fira Code"/>
+                <a:ea typeface="Fira Code"/>
+                <a:cs typeface="Fira Code"/>
+                <a:sym typeface="Fira Code"/>
+              </a:defRPr>
+            </a:lvl9pPr>
+          </a:lstStyle>
+          <a:p>
+            <a:pPr marL="341342" indent="-265184"/>
+            <a:r>
+              <a:rPr lang="en-US" dirty="0">
+                <a:solidFill>
+                  <a:schemeClr val="accent3"/>
+                </a:solidFill>
+              </a:rPr>
+              <a:t>Used to specify 1 or 0 occurrences: a? will match a or no a, which means a is optional</a:t>
+            </a:r>
+          </a:p>
+        </p:txBody>
+      </p:sp>
     </p:spTree>
     <p:extLst>
       <p:ext uri="{BB962C8B-B14F-4D97-AF65-F5344CB8AC3E}">
@@ -20101,7 +22807,7 @@
 </p:sld>
 </file>
 
-<file path=ppt/slides/slide7.xml><?xml version="1.0" encoding="utf-8"?>
+<file path=ppt/slides/slide8.xml><?xml version="1.0" encoding="utf-8"?>
 <p:sld xmlns:a="http://schemas.openxmlformats.org/drawingml/2006/main" xmlns:r="http://schemas.openxmlformats.org/officeDocument/2006/relationships" xmlns:p="http://schemas.openxmlformats.org/presentationml/2006/main">
   <p:cSld>
     <p:spTree>
@@ -20434,7 +23140,7 @@
           <a:bodyPr/>
           <a:lstStyle/>
           <a:p>
-            <a:endParaRPr lang="en-SA"/>
+            <a:endParaRPr lang="en-SA" dirty="0"/>
           </a:p>
         </p:txBody>
       </p:sp>
@@ -20451,7 +23157,7 @@
 </p:sld>
 </file>
 
-<file path=ppt/slides/slide8.xml><?xml version="1.0" encoding="utf-8"?>
+<file path=ppt/slides/slide9.xml><?xml version="1.0" encoding="utf-8"?>
 <p:sld xmlns:a="http://schemas.openxmlformats.org/drawingml/2006/main" xmlns:r="http://schemas.openxmlformats.org/officeDocument/2006/relationships" xmlns:p="http://schemas.openxmlformats.org/presentationml/2006/main">
   <p:cSld>
     <p:spTree>
@@ -20511,578 +23217,6 @@
                 <a:schemeClr val="accent2"/>
               </a:solidFill>
             </a:endParaRPr>
-          </a:p>
-        </p:txBody>
-      </p:sp>
-    </p:spTree>
-  </p:cSld>
-  <p:clrMapOvr>
-    <a:masterClrMapping/>
-  </p:clrMapOvr>
-</p:sld>
-</file>
-
-<file path=ppt/slides/slide9.xml><?xml version="1.0" encoding="utf-8"?>
-<p:sld xmlns:a="http://schemas.openxmlformats.org/drawingml/2006/main" xmlns:r="http://schemas.openxmlformats.org/officeDocument/2006/relationships" xmlns:p="http://schemas.openxmlformats.org/presentationml/2006/main">
-  <p:cSld>
-    <p:spTree>
-      <p:nvGrpSpPr>
-        <p:cNvPr id="1" name="Shape 3127"/>
-        <p:cNvGrpSpPr/>
-        <p:nvPr/>
-      </p:nvGrpSpPr>
-      <p:grpSpPr>
-        <a:xfrm>
-          <a:off x="0" y="0"/>
-          <a:ext cx="0" cy="0"/>
-          <a:chOff x="0" y="0"/>
-          <a:chExt cx="0" cy="0"/>
-        </a:xfrm>
-      </p:grpSpPr>
-      <p:sp>
-        <p:nvSpPr>
-          <p:cNvPr id="3128" name="Google Shape;3128;p52"/>
-          <p:cNvSpPr txBox="1">
-            <a:spLocks noGrp="1"/>
-          </p:cNvSpPr>
-          <p:nvPr>
-            <p:ph type="title"/>
-          </p:nvPr>
-        </p:nvSpPr>
-        <p:spPr>
-          <a:xfrm>
-            <a:off x="1143250" y="582700"/>
-            <a:ext cx="7290600" cy="541200"/>
-          </a:xfrm>
-          <a:prstGeom prst="rect">
-            <a:avLst/>
-          </a:prstGeom>
-        </p:spPr>
-        <p:txBody>
-          <a:bodyPr spcFirstLastPara="1" wrap="square" lIns="91425" tIns="91425" rIns="91425" bIns="91425" anchor="t" anchorCtr="0">
-            <a:noAutofit/>
-          </a:bodyPr>
-          <a:lstStyle/>
-          <a:p>
-            <a:pPr marL="0" lvl="0" indent="0" algn="l" rtl="0">
-              <a:spcBef>
-                <a:spcPts val="0"/>
-              </a:spcBef>
-              <a:spcAft>
-                <a:spcPts val="0"/>
-              </a:spcAft>
-              <a:buNone/>
-            </a:pPr>
-            <a:r>
-              <a:rPr lang="en" dirty="0"/>
-              <a:t>Resources</a:t>
-            </a:r>
-            <a:r>
-              <a:rPr lang="en" dirty="0">
-                <a:solidFill>
-                  <a:schemeClr val="accent2"/>
-                </a:solidFill>
-              </a:rPr>
-              <a:t> </a:t>
-            </a:r>
-            <a:r>
-              <a:rPr lang="en" dirty="0">
-                <a:solidFill>
-                  <a:schemeClr val="accent6"/>
-                </a:solidFill>
-              </a:rPr>
-              <a:t>{</a:t>
-            </a:r>
-            <a:endParaRPr dirty="0">
-              <a:solidFill>
-                <a:schemeClr val="accent6"/>
-              </a:solidFill>
-            </a:endParaRPr>
-          </a:p>
-        </p:txBody>
-      </p:sp>
-      <p:sp>
-        <p:nvSpPr>
-          <p:cNvPr id="3129" name="Google Shape;3129;p52"/>
-          <p:cNvSpPr txBox="1">
-            <a:spLocks noGrp="1"/>
-          </p:cNvSpPr>
-          <p:nvPr>
-            <p:ph type="body" idx="1"/>
-          </p:nvPr>
-        </p:nvSpPr>
-        <p:spPr>
-          <a:xfrm>
-            <a:off x="1590925" y="1263720"/>
-            <a:ext cx="7241521" cy="2109600"/>
-          </a:xfrm>
-          <a:prstGeom prst="rect">
-            <a:avLst/>
-          </a:prstGeom>
-        </p:spPr>
-        <p:txBody>
-          <a:bodyPr spcFirstLastPara="1" wrap="square" lIns="91425" tIns="91425" rIns="91425" bIns="91425" anchor="t" anchorCtr="0">
-            <a:noAutofit/>
-          </a:bodyPr>
-          <a:lstStyle/>
-          <a:p>
-            <a:pPr marL="0" lvl="0" indent="0" algn="l" rtl="0">
-              <a:spcBef>
-                <a:spcPts val="0"/>
-              </a:spcBef>
-              <a:spcAft>
-                <a:spcPts val="0"/>
-              </a:spcAft>
-              <a:buNone/>
-            </a:pPr>
-            <a:r>
-              <a:rPr lang="en" dirty="0">
-                <a:solidFill>
-                  <a:schemeClr val="accent2"/>
-                </a:solidFill>
-              </a:rPr>
-              <a:t>Documentation:</a:t>
-            </a:r>
-            <a:endParaRPr dirty="0">
-              <a:solidFill>
-                <a:schemeClr val="accent2"/>
-              </a:solidFill>
-            </a:endParaRPr>
-          </a:p>
-          <a:p>
-            <a:pPr lvl="0">
-              <a:spcBef>
-                <a:spcPts val="1200"/>
-              </a:spcBef>
-            </a:pPr>
-            <a:r>
-              <a:rPr lang="en-US" sz="1400" dirty="0">
-                <a:uFill>
-                  <a:noFill/>
-                </a:uFill>
-              </a:rPr>
-              <a:t>https://</a:t>
-            </a:r>
-            <a:r>
-              <a:rPr lang="en-US" sz="1400" dirty="0" err="1">
-                <a:uFill>
-                  <a:noFill/>
-                </a:uFill>
-              </a:rPr>
-              <a:t>docs.python.org</a:t>
-            </a:r>
-            <a:r>
-              <a:rPr lang="en-US" sz="1400" dirty="0">
-                <a:uFill>
-                  <a:noFill/>
-                </a:uFill>
-              </a:rPr>
-              <a:t>/3/</a:t>
-            </a:r>
-            <a:r>
-              <a:rPr lang="en-US" sz="1400" dirty="0" err="1">
-                <a:uFill>
-                  <a:noFill/>
-                </a:uFill>
-              </a:rPr>
-              <a:t>howto</a:t>
-            </a:r>
-            <a:r>
-              <a:rPr lang="en-US" sz="1400" dirty="0">
-                <a:uFill>
-                  <a:noFill/>
-                </a:uFill>
-              </a:rPr>
-              <a:t>/</a:t>
-            </a:r>
-            <a:r>
-              <a:rPr lang="en-US" sz="1400" dirty="0" err="1">
-                <a:uFill>
-                  <a:noFill/>
-                </a:uFill>
-              </a:rPr>
-              <a:t>regex.html#splitting-strings</a:t>
-            </a:r>
-            <a:r>
-              <a:rPr lang="en-US" sz="1400" dirty="0">
-                <a:uFill>
-                  <a:noFill/>
-                </a:uFill>
-              </a:rPr>
-              <a:t> </a:t>
-            </a:r>
-          </a:p>
-          <a:p>
-            <a:pPr lvl="0">
-              <a:spcBef>
-                <a:spcPts val="1200"/>
-              </a:spcBef>
-            </a:pPr>
-            <a:r>
-              <a:rPr lang="en-US" sz="1400" dirty="0">
-                <a:uFill>
-                  <a:noFill/>
-                </a:uFill>
-              </a:rPr>
-              <a:t>https://</a:t>
-            </a:r>
-            <a:r>
-              <a:rPr lang="en-US" sz="1400" dirty="0" err="1">
-                <a:uFill>
-                  <a:noFill/>
-                </a:uFill>
-              </a:rPr>
-              <a:t>docs.python.org</a:t>
-            </a:r>
-            <a:r>
-              <a:rPr lang="en-US" sz="1400" dirty="0">
-                <a:uFill>
-                  <a:noFill/>
-                </a:uFill>
-              </a:rPr>
-              <a:t>/3/library/</a:t>
-            </a:r>
-            <a:r>
-              <a:rPr lang="en-US" sz="1400" dirty="0" err="1">
-                <a:uFill>
-                  <a:noFill/>
-                </a:uFill>
-              </a:rPr>
-              <a:t>re.html#text-munging</a:t>
-            </a:r>
-            <a:r>
-              <a:rPr lang="en-US" sz="1400" dirty="0">
-                <a:uFill>
-                  <a:noFill/>
-                </a:uFill>
-              </a:rPr>
-              <a:t> </a:t>
-            </a:r>
-          </a:p>
-          <a:p>
-            <a:pPr lvl="0">
-              <a:spcBef>
-                <a:spcPts val="1200"/>
-              </a:spcBef>
-            </a:pPr>
-            <a:endParaRPr lang="en-US" sz="1400" dirty="0">
-              <a:uFill>
-                <a:noFill/>
-              </a:uFill>
-            </a:endParaRPr>
-          </a:p>
-          <a:p>
-            <a:pPr marL="139700" lvl="0" indent="0">
-              <a:spcBef>
-                <a:spcPts val="1200"/>
-              </a:spcBef>
-              <a:buNone/>
-            </a:pPr>
-            <a:r>
-              <a:rPr lang="en" dirty="0" err="1">
-                <a:solidFill>
-                  <a:schemeClr val="accent1"/>
-                </a:solidFill>
-              </a:rPr>
-              <a:t>Youtube</a:t>
-            </a:r>
-            <a:r>
-              <a:rPr lang="en" dirty="0">
-                <a:solidFill>
-                  <a:schemeClr val="accent1"/>
-                </a:solidFill>
-              </a:rPr>
-              <a:t> Videos:</a:t>
-            </a:r>
-          </a:p>
-          <a:p>
-            <a:pPr lvl="0">
-              <a:spcBef>
-                <a:spcPts val="1200"/>
-              </a:spcBef>
-            </a:pPr>
-            <a:r>
-              <a:rPr lang="en-US" sz="1400" dirty="0">
-                <a:solidFill>
-                  <a:schemeClr val="bg1"/>
-                </a:solidFill>
-                <a:uFill>
-                  <a:noFill/>
-                </a:uFill>
-                <a:hlinkClick r:id="rId3">
-                  <a:extLst>
-                    <a:ext uri="{A12FA001-AC4F-418D-AE19-62706E023703}">
-                      <ahyp:hlinkClr xmlns:ahyp="http://schemas.microsoft.com/office/drawing/2018/hyperlinkcolor" val="tx"/>
-                    </a:ext>
-                  </a:extLst>
-                </a:hlinkClick>
-              </a:rPr>
-              <a:t>https://www.youtube.com/watch?v=UQQsYXa1EHs</a:t>
-            </a:r>
-            <a:endParaRPr lang="en-US" sz="1400" dirty="0">
-              <a:solidFill>
-                <a:schemeClr val="bg1"/>
-              </a:solidFill>
-              <a:uFill>
-                <a:noFill/>
-              </a:uFill>
-            </a:endParaRPr>
-          </a:p>
-          <a:p>
-            <a:pPr lvl="0">
-              <a:spcBef>
-                <a:spcPts val="1200"/>
-              </a:spcBef>
-            </a:pPr>
-            <a:r>
-              <a:rPr lang="en-US" sz="1400" dirty="0">
-                <a:solidFill>
-                  <a:schemeClr val="bg1"/>
-                </a:solidFill>
-                <a:uFill>
-                  <a:noFill/>
-                </a:uFill>
-              </a:rPr>
-              <a:t>https://</a:t>
-            </a:r>
-            <a:r>
-              <a:rPr lang="en-US" sz="1400" dirty="0" err="1">
-                <a:solidFill>
-                  <a:schemeClr val="bg1"/>
-                </a:solidFill>
-                <a:uFill>
-                  <a:noFill/>
-                </a:uFill>
-              </a:rPr>
-              <a:t>www.youtube.com</a:t>
-            </a:r>
-            <a:r>
-              <a:rPr lang="en-US" sz="1400" dirty="0">
-                <a:solidFill>
-                  <a:schemeClr val="bg1"/>
-                </a:solidFill>
-                <a:uFill>
-                  <a:noFill/>
-                </a:uFill>
-              </a:rPr>
-              <a:t>/</a:t>
-            </a:r>
-            <a:r>
-              <a:rPr lang="en-US" sz="1400" dirty="0" err="1">
-                <a:solidFill>
-                  <a:schemeClr val="bg1"/>
-                </a:solidFill>
-                <a:uFill>
-                  <a:noFill/>
-                </a:uFill>
-              </a:rPr>
-              <a:t>watch?v</a:t>
-            </a:r>
-            <a:r>
-              <a:rPr lang="en-US" sz="1400" dirty="0">
-                <a:solidFill>
-                  <a:schemeClr val="bg1"/>
-                </a:solidFill>
-                <a:uFill>
-                  <a:noFill/>
-                </a:uFill>
-              </a:rPr>
-              <a:t>=K8L6KVGG-7o</a:t>
-            </a:r>
-          </a:p>
-          <a:p>
-            <a:pPr lvl="0">
-              <a:spcBef>
-                <a:spcPts val="1200"/>
-              </a:spcBef>
-            </a:pPr>
-            <a:endParaRPr lang="en-US" sz="1400" dirty="0">
-              <a:uFill>
-                <a:noFill/>
-              </a:uFill>
-            </a:endParaRPr>
-          </a:p>
-          <a:p>
-            <a:pPr lvl="0">
-              <a:spcBef>
-                <a:spcPts val="1200"/>
-              </a:spcBef>
-            </a:pPr>
-            <a:endParaRPr lang="en-US" dirty="0"/>
-          </a:p>
-        </p:txBody>
-      </p:sp>
-      <p:grpSp>
-        <p:nvGrpSpPr>
-          <p:cNvPr id="3134" name="Google Shape;3134;p52"/>
-          <p:cNvGrpSpPr/>
-          <p:nvPr/>
-        </p:nvGrpSpPr>
-        <p:grpSpPr>
-          <a:xfrm>
-            <a:off x="1084825" y="1152525"/>
-            <a:ext cx="506100" cy="3417500"/>
-            <a:chOff x="1084825" y="1152525"/>
-            <a:chExt cx="506100" cy="3417500"/>
-          </a:xfrm>
-        </p:grpSpPr>
-        <p:sp>
-          <p:nvSpPr>
-            <p:cNvPr id="3135" name="Google Shape;3135;p52"/>
-            <p:cNvSpPr txBox="1"/>
-            <p:nvPr/>
-          </p:nvSpPr>
-          <p:spPr>
-            <a:xfrm>
-              <a:off x="1084825" y="3954425"/>
-              <a:ext cx="506100" cy="615600"/>
-            </a:xfrm>
-            <a:prstGeom prst="rect">
-              <a:avLst/>
-            </a:prstGeom>
-            <a:noFill/>
-            <a:ln>
-              <a:noFill/>
-            </a:ln>
-          </p:spPr>
-          <p:txBody>
-            <a:bodyPr spcFirstLastPara="1" wrap="square" lIns="91425" tIns="91425" rIns="91425" bIns="91425" anchor="t" anchorCtr="0">
-              <a:spAutoFit/>
-            </a:bodyPr>
-            <a:lstStyle/>
-            <a:p>
-              <a:pPr marL="0" lvl="0" indent="0" algn="ctr" rtl="0">
-                <a:spcBef>
-                  <a:spcPts val="0"/>
-                </a:spcBef>
-                <a:spcAft>
-                  <a:spcPts val="0"/>
-                </a:spcAft>
-                <a:buNone/>
-              </a:pPr>
-              <a:r>
-                <a:rPr lang="en" sz="2800">
-                  <a:solidFill>
-                    <a:schemeClr val="accent6"/>
-                  </a:solidFill>
-                  <a:latin typeface="Fira Code"/>
-                  <a:ea typeface="Fira Code"/>
-                  <a:cs typeface="Fira Code"/>
-                  <a:sym typeface="Fira Code"/>
-                </a:rPr>
-                <a:t>}</a:t>
-              </a:r>
-              <a:endParaRPr sz="2800">
-                <a:solidFill>
-                  <a:schemeClr val="accent6"/>
-                </a:solidFill>
-                <a:latin typeface="Fira Code"/>
-                <a:ea typeface="Fira Code"/>
-                <a:cs typeface="Fira Code"/>
-                <a:sym typeface="Fira Code"/>
-              </a:endParaRPr>
-            </a:p>
-          </p:txBody>
-        </p:sp>
-        <p:cxnSp>
-          <p:nvCxnSpPr>
-            <p:cNvPr id="3136" name="Google Shape;3136;p52"/>
-            <p:cNvCxnSpPr/>
-            <p:nvPr/>
-          </p:nvCxnSpPr>
-          <p:spPr>
-            <a:xfrm>
-              <a:off x="1337875" y="1152525"/>
-              <a:ext cx="0" cy="2781000"/>
-            </a:xfrm>
-            <a:prstGeom prst="straightConnector1">
-              <a:avLst/>
-            </a:prstGeom>
-            <a:noFill/>
-            <a:ln w="9525" cap="flat" cmpd="sng">
-              <a:solidFill>
-                <a:schemeClr val="accent4"/>
-              </a:solidFill>
-              <a:prstDash val="solid"/>
-              <a:round/>
-              <a:headEnd type="none" w="med" len="med"/>
-              <a:tailEnd type="none" w="med" len="med"/>
-            </a:ln>
-          </p:spPr>
-        </p:cxnSp>
-      </p:grpSp>
-      <p:sp>
-        <p:nvSpPr>
-          <p:cNvPr id="3" name="Subtitle 2">
-            <a:extLst>
-              <a:ext uri="{FF2B5EF4-FFF2-40B4-BE49-F238E27FC236}">
-                <a16:creationId xmlns:a16="http://schemas.microsoft.com/office/drawing/2014/main" id="{92D7F54C-059E-2D47-9CD4-9E2D92675FC1}"/>
-              </a:ext>
-            </a:extLst>
-          </p:cNvPr>
-          <p:cNvSpPr>
-            <a:spLocks noGrp="1"/>
-          </p:cNvSpPr>
-          <p:nvPr>
-            <p:ph type="subTitle" idx="2"/>
-          </p:nvPr>
-        </p:nvSpPr>
-        <p:spPr/>
-        <p:txBody>
-          <a:bodyPr/>
-          <a:lstStyle/>
-          <a:p>
-            <a:endParaRPr lang="en-SA"/>
-          </a:p>
-        </p:txBody>
-      </p:sp>
-      <p:sp>
-        <p:nvSpPr>
-          <p:cNvPr id="5" name="Subtitle 4">
-            <a:extLst>
-              <a:ext uri="{FF2B5EF4-FFF2-40B4-BE49-F238E27FC236}">
-                <a16:creationId xmlns:a16="http://schemas.microsoft.com/office/drawing/2014/main" id="{EDF6AA80-1012-C741-B677-5356F80FB2A3}"/>
-              </a:ext>
-            </a:extLst>
-          </p:cNvPr>
-          <p:cNvSpPr>
-            <a:spLocks noGrp="1"/>
-          </p:cNvSpPr>
-          <p:nvPr>
-            <p:ph type="subTitle" idx="2"/>
-          </p:nvPr>
-        </p:nvSpPr>
-        <p:spPr/>
-        <p:txBody>
-          <a:bodyPr/>
-          <a:lstStyle/>
-          <a:p>
-            <a:endParaRPr lang="en-SA"/>
-          </a:p>
-        </p:txBody>
-      </p:sp>
-      <p:sp>
-        <p:nvSpPr>
-          <p:cNvPr id="7" name="Subtitle 6">
-            <a:extLst>
-              <a:ext uri="{FF2B5EF4-FFF2-40B4-BE49-F238E27FC236}">
-                <a16:creationId xmlns:a16="http://schemas.microsoft.com/office/drawing/2014/main" id="{C0759ED7-951E-2E4B-8CFD-87B7201717EE}"/>
-              </a:ext>
-            </a:extLst>
-          </p:cNvPr>
-          <p:cNvSpPr>
-            <a:spLocks noGrp="1"/>
-          </p:cNvSpPr>
-          <p:nvPr>
-            <p:ph type="subTitle" idx="2"/>
-          </p:nvPr>
-        </p:nvSpPr>
-        <p:spPr/>
-        <p:txBody>
-          <a:bodyPr/>
-          <a:lstStyle/>
-          <a:p>
-            <a:endParaRPr lang="en-SA"/>
           </a:p>
         </p:txBody>
       </p:sp>
